--- a/laporan ppt/Kelompok 3.pptx
+++ b/laporan ppt/Kelompok 3.pptx
@@ -29,8 +29,12 @@
     <p:sldId id="268" r:id="rId23"/>
     <p:sldId id="269" r:id="rId24"/>
     <p:sldId id="270" r:id="rId25"/>
-    <p:sldId id="281" r:id="rId26"/>
-    <p:sldId id="271" r:id="rId27"/>
+    <p:sldId id="282" r:id="rId26"/>
+    <p:sldId id="283" r:id="rId27"/>
+    <p:sldId id="284" r:id="rId28"/>
+    <p:sldId id="285" r:id="rId29"/>
+    <p:sldId id="281" r:id="rId30"/>
+    <p:sldId id="271" r:id="rId31"/>
   </p:sldIdLst>
   <p:sldSz cx="12192000" cy="6858000"/>
   <p:notesSz cx="6858000" cy="9144000"/>
@@ -323,7 +327,7 @@
           <a:p>
             <a:fld id="{3285FFC9-952C-4205-B8F7-7084C41BF0C0}" type="datetimeFigureOut">
               <a:rPr lang="en-US" smtClean="0"/>
-              <a:t>5/15/2025</a:t>
+              <a:t>5/21/2025</a:t>
             </a:fld>
             <a:endParaRPr lang="en-US"/>
           </a:p>
@@ -598,7 +602,7 @@
           <a:p>
             <a:fld id="{3285FFC9-952C-4205-B8F7-7084C41BF0C0}" type="datetimeFigureOut">
               <a:rPr lang="en-US" smtClean="0"/>
-              <a:t>5/15/2025</a:t>
+              <a:t>5/21/2025</a:t>
             </a:fld>
             <a:endParaRPr lang="en-US"/>
           </a:p>
@@ -792,7 +796,7 @@
           <a:p>
             <a:fld id="{3285FFC9-952C-4205-B8F7-7084C41BF0C0}" type="datetimeFigureOut">
               <a:rPr lang="en-US" smtClean="0"/>
-              <a:t>5/15/2025</a:t>
+              <a:t>5/21/2025</a:t>
             </a:fld>
             <a:endParaRPr lang="en-US"/>
           </a:p>
@@ -1065,7 +1069,7 @@
           <a:p>
             <a:fld id="{3285FFC9-952C-4205-B8F7-7084C41BF0C0}" type="datetimeFigureOut">
               <a:rPr lang="en-US" smtClean="0"/>
-              <a:t>5/15/2025</a:t>
+              <a:t>5/21/2025</a:t>
             </a:fld>
             <a:endParaRPr lang="en-US"/>
           </a:p>
@@ -1406,7 +1410,7 @@
           <a:p>
             <a:fld id="{3285FFC9-952C-4205-B8F7-7084C41BF0C0}" type="datetimeFigureOut">
               <a:rPr lang="en-US" smtClean="0"/>
-              <a:t>5/15/2025</a:t>
+              <a:t>5/21/2025</a:t>
             </a:fld>
             <a:endParaRPr lang="en-US"/>
           </a:p>
@@ -2029,7 +2033,7 @@
           <a:p>
             <a:fld id="{3285FFC9-952C-4205-B8F7-7084C41BF0C0}" type="datetimeFigureOut">
               <a:rPr lang="en-US" smtClean="0"/>
-              <a:t>5/15/2025</a:t>
+              <a:t>5/21/2025</a:t>
             </a:fld>
             <a:endParaRPr lang="en-US"/>
           </a:p>
@@ -2889,7 +2893,7 @@
           <a:p>
             <a:fld id="{3285FFC9-952C-4205-B8F7-7084C41BF0C0}" type="datetimeFigureOut">
               <a:rPr lang="en-US" smtClean="0"/>
-              <a:t>5/15/2025</a:t>
+              <a:t>5/21/2025</a:t>
             </a:fld>
             <a:endParaRPr lang="en-US"/>
           </a:p>
@@ -3059,7 +3063,7 @@
           <a:p>
             <a:fld id="{3285FFC9-952C-4205-B8F7-7084C41BF0C0}" type="datetimeFigureOut">
               <a:rPr lang="en-US" smtClean="0"/>
-              <a:t>5/15/2025</a:t>
+              <a:t>5/21/2025</a:t>
             </a:fld>
             <a:endParaRPr lang="en-US"/>
           </a:p>
@@ -3239,7 +3243,7 @@
           <a:p>
             <a:fld id="{3285FFC9-952C-4205-B8F7-7084C41BF0C0}" type="datetimeFigureOut">
               <a:rPr lang="en-US" smtClean="0"/>
-              <a:t>5/15/2025</a:t>
+              <a:t>5/21/2025</a:t>
             </a:fld>
             <a:endParaRPr lang="en-US"/>
           </a:p>
@@ -3409,7 +3413,7 @@
           <a:p>
             <a:fld id="{3285FFC9-952C-4205-B8F7-7084C41BF0C0}" type="datetimeFigureOut">
               <a:rPr lang="en-US" smtClean="0"/>
-              <a:t>5/15/2025</a:t>
+              <a:t>5/21/2025</a:t>
             </a:fld>
             <a:endParaRPr lang="en-US"/>
           </a:p>
@@ -3656,7 +3660,7 @@
           <a:p>
             <a:fld id="{3285FFC9-952C-4205-B8F7-7084C41BF0C0}" type="datetimeFigureOut">
               <a:rPr lang="en-US" smtClean="0"/>
-              <a:t>5/15/2025</a:t>
+              <a:t>5/21/2025</a:t>
             </a:fld>
             <a:endParaRPr lang="en-US"/>
           </a:p>
@@ -3948,7 +3952,7 @@
           <a:p>
             <a:fld id="{3285FFC9-952C-4205-B8F7-7084C41BF0C0}" type="datetimeFigureOut">
               <a:rPr lang="en-US" smtClean="0"/>
-              <a:t>5/15/2025</a:t>
+              <a:t>5/21/2025</a:t>
             </a:fld>
             <a:endParaRPr lang="en-US"/>
           </a:p>
@@ -4392,7 +4396,7 @@
           <a:p>
             <a:fld id="{3285FFC9-952C-4205-B8F7-7084C41BF0C0}" type="datetimeFigureOut">
               <a:rPr lang="en-US" smtClean="0"/>
-              <a:t>5/15/2025</a:t>
+              <a:t>5/21/2025</a:t>
             </a:fld>
             <a:endParaRPr lang="en-US"/>
           </a:p>
@@ -4510,7 +4514,7 @@
           <a:p>
             <a:fld id="{3285FFC9-952C-4205-B8F7-7084C41BF0C0}" type="datetimeFigureOut">
               <a:rPr lang="en-US" smtClean="0"/>
-              <a:t>5/15/2025</a:t>
+              <a:t>5/21/2025</a:t>
             </a:fld>
             <a:endParaRPr lang="en-US"/>
           </a:p>
@@ -4605,7 +4609,7 @@
           <a:p>
             <a:fld id="{3285FFC9-952C-4205-B8F7-7084C41BF0C0}" type="datetimeFigureOut">
               <a:rPr lang="en-US" smtClean="0"/>
-              <a:t>5/15/2025</a:t>
+              <a:t>5/21/2025</a:t>
             </a:fld>
             <a:endParaRPr lang="en-US"/>
           </a:p>
@@ -4884,7 +4888,7 @@
           <a:p>
             <a:fld id="{3285FFC9-952C-4205-B8F7-7084C41BF0C0}" type="datetimeFigureOut">
               <a:rPr lang="en-US" smtClean="0"/>
-              <a:t>5/15/2025</a:t>
+              <a:t>5/21/2025</a:t>
             </a:fld>
             <a:endParaRPr lang="en-US"/>
           </a:p>
@@ -5159,7 +5163,7 @@
           <a:p>
             <a:fld id="{3285FFC9-952C-4205-B8F7-7084C41BF0C0}" type="datetimeFigureOut">
               <a:rPr lang="en-US" smtClean="0"/>
-              <a:t>5/15/2025</a:t>
+              <a:t>5/21/2025</a:t>
             </a:fld>
             <a:endParaRPr lang="en-US"/>
           </a:p>
@@ -5588,7 +5592,7 @@
           <a:p>
             <a:fld id="{3285FFC9-952C-4205-B8F7-7084C41BF0C0}" type="datetimeFigureOut">
               <a:rPr lang="en-US" smtClean="0"/>
-              <a:t>5/15/2025</a:t>
+              <a:t>5/21/2025</a:t>
             </a:fld>
             <a:endParaRPr lang="en-US"/>
           </a:p>
@@ -9439,7 +9443,13 @@
   <p:cSld>
     <p:spTree>
       <p:nvGrpSpPr>
-        <p:cNvPr id="1" name=""/>
+        <p:cNvPr id="1" name="">
+          <a:extLst>
+            <a:ext uri="{FF2B5EF4-FFF2-40B4-BE49-F238E27FC236}">
+              <a16:creationId xmlns:a16="http://schemas.microsoft.com/office/drawing/2014/main" id="{8424A32C-F86D-88CB-A955-FB73EAD47972}"/>
+            </a:ext>
+          </a:extLst>
+        </p:cNvPr>
         <p:cNvGrpSpPr/>
         <p:nvPr/>
       </p:nvGrpSpPr>
@@ -9451,12 +9461,47 @@
           <a:chExt cx="0" cy="0"/>
         </a:xfrm>
       </p:grpSpPr>
+      <p:pic>
+        <p:nvPicPr>
+          <p:cNvPr id="4" name="Picture 3">
+            <a:extLst>
+              <a:ext uri="{FF2B5EF4-FFF2-40B4-BE49-F238E27FC236}">
+                <a16:creationId xmlns:a16="http://schemas.microsoft.com/office/drawing/2014/main" id="{8A53749A-49D1-6BDE-9DDD-3AE6EA717E9D}"/>
+              </a:ext>
+            </a:extLst>
+          </p:cNvPr>
+          <p:cNvPicPr>
+            <a:picLocks noChangeAspect="1"/>
+          </p:cNvPicPr>
+          <p:nvPr/>
+        </p:nvPicPr>
+        <p:blipFill>
+          <a:blip r:embed="rId2">
+            <a:extLst>
+              <a:ext uri="{28A0092B-C50C-407E-A947-70E740481C1C}">
+                <a14:useLocalDpi xmlns:a14="http://schemas.microsoft.com/office/drawing/2010/main" val="0"/>
+              </a:ext>
+            </a:extLst>
+          </a:blip>
+          <a:srcRect/>
+          <a:stretch/>
+        </p:blipFill>
+        <p:spPr>
+          <a:xfrm>
+            <a:off x="0" y="226925"/>
+            <a:ext cx="12192000" cy="6404149"/>
+          </a:xfrm>
+          <a:prstGeom prst="rect">
+            <a:avLst/>
+          </a:prstGeom>
+        </p:spPr>
+      </p:pic>
       <p:sp>
         <p:nvSpPr>
           <p:cNvPr id="2" name="Title 1">
             <a:extLst>
               <a:ext uri="{FF2B5EF4-FFF2-40B4-BE49-F238E27FC236}">
-                <a16:creationId xmlns:a16="http://schemas.microsoft.com/office/drawing/2014/main" id="{8AE11A24-884B-41C9-AE6A-EDE04EDF1D83}"/>
+                <a16:creationId xmlns:a16="http://schemas.microsoft.com/office/drawing/2014/main" id="{CFB797FF-3A3C-5AFD-4356-BA3C7332302B}"/>
               </a:ext>
             </a:extLst>
           </p:cNvPr>
@@ -9467,291 +9512,53 @@
             <p:ph type="title"/>
           </p:nvPr>
         </p:nvSpPr>
-        <p:spPr/>
+        <p:spPr>
+          <a:xfrm>
+            <a:off x="652034" y="4038601"/>
+            <a:ext cx="8825660" cy="1653180"/>
+          </a:xfrm>
+        </p:spPr>
         <p:txBody>
           <a:bodyPr/>
           <a:lstStyle/>
           <a:p>
-            <a:pPr algn="ctr"/>
-            <a:r>
-              <a:rPr lang="en-US" dirty="0"/>
-              <a:t>Kesimpulan</a:t>
-            </a:r>
-          </a:p>
-        </p:txBody>
-      </p:sp>
-      <p:sp>
-        <p:nvSpPr>
-          <p:cNvPr id="3" name="Content Placeholder 2">
-            <a:extLst>
-              <a:ext uri="{FF2B5EF4-FFF2-40B4-BE49-F238E27FC236}">
-                <a16:creationId xmlns:a16="http://schemas.microsoft.com/office/drawing/2014/main" id="{8FC3550B-C92F-1EDF-B035-8F06EBF74418}"/>
-              </a:ext>
-            </a:extLst>
-          </p:cNvPr>
-          <p:cNvSpPr>
-            <a:spLocks noGrp="1"/>
-          </p:cNvSpPr>
-          <p:nvPr>
-            <p:ph idx="1"/>
-          </p:nvPr>
-        </p:nvSpPr>
-        <p:spPr/>
-        <p:txBody>
-          <a:bodyPr/>
-          <a:lstStyle/>
-          <a:p>
-            <a:r>
-              <a:rPr lang="en-US" dirty="0"/>
-              <a:t>Acil Store </a:t>
-            </a:r>
-            <a:r>
-              <a:rPr lang="en-US" dirty="0" err="1"/>
-              <a:t>hadir</a:t>
-            </a:r>
-            <a:r>
-              <a:rPr lang="en-US" dirty="0"/>
-              <a:t> </a:t>
-            </a:r>
-            <a:r>
-              <a:rPr lang="en-US" dirty="0" err="1"/>
-              <a:t>sebagai</a:t>
-            </a:r>
-            <a:r>
-              <a:rPr lang="en-US" dirty="0"/>
-              <a:t> </a:t>
-            </a:r>
-            <a:r>
-              <a:rPr lang="en-US" dirty="0" err="1"/>
-              <a:t>solusi</a:t>
-            </a:r>
-            <a:r>
-              <a:rPr lang="en-US" dirty="0"/>
-              <a:t> </a:t>
-            </a:r>
-            <a:r>
-              <a:rPr lang="en-US" dirty="0" err="1"/>
-              <a:t>praktis</a:t>
-            </a:r>
-            <a:r>
-              <a:rPr lang="en-US" dirty="0"/>
-              <a:t> </a:t>
-            </a:r>
-            <a:r>
-              <a:rPr lang="en-US" dirty="0" err="1"/>
-              <a:t>bagi</a:t>
-            </a:r>
-            <a:r>
-              <a:rPr lang="en-US" dirty="0"/>
-              <a:t> para gamer yang </a:t>
-            </a:r>
-            <a:r>
-              <a:rPr lang="en-US" dirty="0" err="1"/>
-              <a:t>ingin</a:t>
-            </a:r>
-            <a:r>
-              <a:rPr lang="en-US" dirty="0"/>
-              <a:t> </a:t>
-            </a:r>
-            <a:r>
-              <a:rPr lang="en-US" dirty="0" err="1"/>
-              <a:t>melakukan</a:t>
-            </a:r>
-            <a:r>
-              <a:rPr lang="en-US" dirty="0"/>
-              <a:t> top up </a:t>
-            </a:r>
-            <a:r>
-              <a:rPr lang="en-US" dirty="0" err="1"/>
-              <a:t>dengan</a:t>
-            </a:r>
-            <a:r>
-              <a:rPr lang="en-US" dirty="0"/>
-              <a:t> </a:t>
-            </a:r>
-            <a:r>
-              <a:rPr lang="en-US" dirty="0" err="1"/>
-              <a:t>cepat</a:t>
-            </a:r>
-            <a:r>
-              <a:rPr lang="en-US" dirty="0"/>
-              <a:t>, </a:t>
-            </a:r>
-            <a:r>
-              <a:rPr lang="en-US" dirty="0" err="1"/>
-              <a:t>aman</a:t>
-            </a:r>
-            <a:r>
-              <a:rPr lang="en-US" dirty="0"/>
-              <a:t>, dan </a:t>
-            </a:r>
-            <a:r>
-              <a:rPr lang="en-US" dirty="0" err="1"/>
-              <a:t>mudah</a:t>
-            </a:r>
-            <a:r>
-              <a:rPr lang="en-US" dirty="0"/>
-              <a:t>. </a:t>
-            </a:r>
-            <a:r>
-              <a:rPr lang="en-US" dirty="0" err="1"/>
-              <a:t>Dengan</a:t>
-            </a:r>
-            <a:r>
-              <a:rPr lang="en-US" dirty="0"/>
-              <a:t> </a:t>
-            </a:r>
-            <a:r>
-              <a:rPr lang="en-US" dirty="0" err="1"/>
-              <a:t>tampilan</a:t>
-            </a:r>
-            <a:r>
-              <a:rPr lang="en-US" dirty="0"/>
-              <a:t> yang user-friendly, </a:t>
-            </a:r>
-            <a:r>
-              <a:rPr lang="en-US" dirty="0" err="1"/>
-              <a:t>pilihan</a:t>
-            </a:r>
-            <a:r>
-              <a:rPr lang="en-US" dirty="0"/>
-              <a:t> </a:t>
-            </a:r>
-            <a:r>
-              <a:rPr lang="en-US" dirty="0" err="1"/>
-              <a:t>metode</a:t>
-            </a:r>
-            <a:r>
-              <a:rPr lang="en-US" dirty="0"/>
-              <a:t> </a:t>
-            </a:r>
-            <a:r>
-              <a:rPr lang="en-US" dirty="0" err="1"/>
-              <a:t>pembayaran</a:t>
-            </a:r>
-            <a:r>
-              <a:rPr lang="en-US" dirty="0"/>
-              <a:t> yang </a:t>
-            </a:r>
-            <a:r>
-              <a:rPr lang="en-US" dirty="0" err="1"/>
-              <a:t>beragam</a:t>
-            </a:r>
-            <a:r>
-              <a:rPr lang="en-US" dirty="0"/>
-              <a:t>, </a:t>
-            </a:r>
-            <a:r>
-              <a:rPr lang="en-US" dirty="0" err="1"/>
-              <a:t>serta</a:t>
-            </a:r>
-            <a:r>
-              <a:rPr lang="en-US" dirty="0"/>
-              <a:t> proses </a:t>
-            </a:r>
-            <a:r>
-              <a:rPr lang="en-US" dirty="0" err="1"/>
-              <a:t>transaksi</a:t>
-            </a:r>
-            <a:r>
-              <a:rPr lang="en-US" dirty="0"/>
-              <a:t> yang </a:t>
-            </a:r>
-            <a:r>
-              <a:rPr lang="en-US" dirty="0" err="1"/>
-              <a:t>efisien</a:t>
-            </a:r>
-            <a:r>
-              <a:rPr lang="en-US" dirty="0"/>
-              <a:t>, Acil Store </a:t>
-            </a:r>
-            <a:r>
-              <a:rPr lang="en-US" dirty="0" err="1"/>
-              <a:t>diharapkan</a:t>
-            </a:r>
-            <a:r>
-              <a:rPr lang="en-US" dirty="0"/>
-              <a:t> </a:t>
-            </a:r>
-            <a:r>
-              <a:rPr lang="en-US" dirty="0" err="1"/>
-              <a:t>dapat</a:t>
-            </a:r>
-            <a:r>
-              <a:rPr lang="en-US" dirty="0"/>
-              <a:t> </a:t>
-            </a:r>
-            <a:r>
-              <a:rPr lang="en-US" dirty="0" err="1"/>
-              <a:t>menjadi</a:t>
-            </a:r>
-            <a:r>
-              <a:rPr lang="en-US" dirty="0"/>
-              <a:t> platform </a:t>
-            </a:r>
-            <a:r>
-              <a:rPr lang="en-US" dirty="0" err="1"/>
-              <a:t>lokal</a:t>
-            </a:r>
-            <a:r>
-              <a:rPr lang="en-US" dirty="0"/>
-              <a:t> yang </a:t>
-            </a:r>
-            <a:r>
-              <a:rPr lang="en-US" dirty="0" err="1"/>
-              <a:t>terpercaya</a:t>
-            </a:r>
-            <a:r>
-              <a:rPr lang="en-US" dirty="0"/>
-              <a:t> dan </a:t>
-            </a:r>
-            <a:r>
-              <a:rPr lang="en-US" dirty="0" err="1"/>
-              <a:t>mampu</a:t>
-            </a:r>
-            <a:r>
-              <a:rPr lang="en-US" dirty="0"/>
-              <a:t> </a:t>
-            </a:r>
-            <a:r>
-              <a:rPr lang="en-US" dirty="0" err="1"/>
-              <a:t>memenuhi</a:t>
-            </a:r>
-            <a:r>
-              <a:rPr lang="en-US" dirty="0"/>
-              <a:t> </a:t>
-            </a:r>
-            <a:r>
-              <a:rPr lang="en-US" dirty="0" err="1"/>
-              <a:t>kebutuhan</a:t>
-            </a:r>
-            <a:r>
-              <a:rPr lang="en-US" dirty="0"/>
-              <a:t> digital para </a:t>
-            </a:r>
-            <a:r>
-              <a:rPr lang="en-US" dirty="0" err="1"/>
-              <a:t>pengguna</a:t>
-            </a:r>
-            <a:r>
-              <a:rPr lang="en-US" dirty="0"/>
-              <a:t> di era modern </a:t>
-            </a:r>
-            <a:r>
-              <a:rPr lang="en-US" dirty="0" err="1"/>
-              <a:t>ini</a:t>
-            </a:r>
-            <a:r>
-              <a:rPr lang="en-US" dirty="0"/>
-              <a:t>.</a:t>
-            </a:r>
+            <a:r>
+              <a:rPr lang="en-US" dirty="0">
+                <a:solidFill>
+                  <a:schemeClr val="accent1">
+                    <a:lumMod val="75000"/>
+                  </a:schemeClr>
+                </a:solidFill>
+                <a:latin typeface="Eras Demi ITC" panose="020B0805030504020804" pitchFamily="34" charset="0"/>
+              </a:rPr>
+              <a:t>14. Menu </a:t>
+            </a:r>
+            <a:r>
+              <a:rPr lang="en-US" dirty="0" err="1">
+                <a:solidFill>
+                  <a:schemeClr val="accent1">
+                    <a:lumMod val="75000"/>
+                  </a:schemeClr>
+                </a:solidFill>
+                <a:latin typeface="Eras Demi ITC" panose="020B0805030504020804" pitchFamily="34" charset="0"/>
+              </a:rPr>
+              <a:t>Pembayaran</a:t>
+            </a:r>
+            <a:endParaRPr lang="en-US" dirty="0">
+              <a:solidFill>
+                <a:schemeClr val="accent1">
+                  <a:lumMod val="75000"/>
+                </a:schemeClr>
+              </a:solidFill>
+              <a:latin typeface="Eras Demi ITC" panose="020B0805030504020804" pitchFamily="34" charset="0"/>
+            </a:endParaRPr>
           </a:p>
         </p:txBody>
       </p:sp>
     </p:spTree>
     <p:extLst>
       <p:ext uri="{BB962C8B-B14F-4D97-AF65-F5344CB8AC3E}">
-        <p14:creationId xmlns:p14="http://schemas.microsoft.com/office/powerpoint/2010/main" val="209368910"/>
+        <p14:creationId xmlns:p14="http://schemas.microsoft.com/office/powerpoint/2010/main" val="3058072695"/>
       </p:ext>
     </p:extLst>
   </p:cSld>
@@ -9762,6 +9569,372 @@
 </file>
 
 <file path=ppt/slides/slide26.xml><?xml version="1.0" encoding="utf-8"?>
+<p:sld xmlns:a="http://schemas.openxmlformats.org/drawingml/2006/main" xmlns:r="http://schemas.openxmlformats.org/officeDocument/2006/relationships" xmlns:p="http://schemas.openxmlformats.org/presentationml/2006/main">
+  <p:cSld>
+    <p:spTree>
+      <p:nvGrpSpPr>
+        <p:cNvPr id="1" name="">
+          <a:extLst>
+            <a:ext uri="{FF2B5EF4-FFF2-40B4-BE49-F238E27FC236}">
+              <a16:creationId xmlns:a16="http://schemas.microsoft.com/office/drawing/2014/main" id="{D325CF81-AC44-3831-6235-94A10B03B301}"/>
+            </a:ext>
+          </a:extLst>
+        </p:cNvPr>
+        <p:cNvGrpSpPr/>
+        <p:nvPr/>
+      </p:nvGrpSpPr>
+      <p:grpSpPr>
+        <a:xfrm>
+          <a:off x="0" y="0"/>
+          <a:ext cx="0" cy="0"/>
+          <a:chOff x="0" y="0"/>
+          <a:chExt cx="0" cy="0"/>
+        </a:xfrm>
+      </p:grpSpPr>
+      <p:sp>
+        <p:nvSpPr>
+          <p:cNvPr id="2" name="Title 1">
+            <a:extLst>
+              <a:ext uri="{FF2B5EF4-FFF2-40B4-BE49-F238E27FC236}">
+                <a16:creationId xmlns:a16="http://schemas.microsoft.com/office/drawing/2014/main" id="{11A60CDD-C0BB-4855-0086-C2EF22D755AD}"/>
+              </a:ext>
+            </a:extLst>
+          </p:cNvPr>
+          <p:cNvSpPr>
+            <a:spLocks noGrp="1"/>
+          </p:cNvSpPr>
+          <p:nvPr>
+            <p:ph type="title"/>
+          </p:nvPr>
+        </p:nvSpPr>
+        <p:spPr/>
+        <p:txBody>
+          <a:bodyPr/>
+          <a:lstStyle/>
+          <a:p>
+            <a:r>
+              <a:rPr lang="en-US" dirty="0"/>
+              <a:t>Menu </a:t>
+            </a:r>
+            <a:r>
+              <a:rPr lang="en-US" dirty="0" err="1"/>
+              <a:t>pembayaran</a:t>
+            </a:r>
+            <a:br>
+              <a:rPr lang="en-US" dirty="0"/>
+            </a:br>
+            <a:br>
+              <a:rPr lang="en-US" dirty="0"/>
+            </a:br>
+            <a:r>
+              <a:rPr lang="en-US" sz="2400" dirty="0"/>
+              <a:t>Menu </a:t>
+            </a:r>
+            <a:r>
+              <a:rPr lang="en-US" sz="2400" dirty="0" err="1"/>
+              <a:t>pembayaran</a:t>
+            </a:r>
+            <a:r>
+              <a:rPr lang="en-US" sz="2400" dirty="0"/>
+              <a:t> </a:t>
+            </a:r>
+            <a:r>
+              <a:rPr lang="en-US" sz="2400" dirty="0" err="1"/>
+              <a:t>berisi</a:t>
+            </a:r>
+            <a:r>
+              <a:rPr lang="en-US" sz="2400" dirty="0"/>
+              <a:t> </a:t>
+            </a:r>
+            <a:r>
+              <a:rPr lang="en-US" sz="2400" dirty="0" err="1"/>
+              <a:t>pilihan</a:t>
+            </a:r>
+            <a:r>
+              <a:rPr lang="en-US" sz="2400" dirty="0"/>
+              <a:t> </a:t>
+            </a:r>
+            <a:r>
+              <a:rPr lang="en-US" sz="2400" dirty="0" err="1"/>
+              <a:t>untuk</a:t>
+            </a:r>
+            <a:r>
+              <a:rPr lang="en-US" sz="2400" dirty="0"/>
+              <a:t> user </a:t>
+            </a:r>
+            <a:r>
+              <a:rPr lang="en-US" sz="2400" dirty="0" err="1"/>
+              <a:t>memilih</a:t>
+            </a:r>
+            <a:r>
+              <a:rPr lang="en-US" sz="2400" dirty="0"/>
+              <a:t> e-wallet </a:t>
+            </a:r>
+            <a:r>
+              <a:rPr lang="en-US" sz="2400" dirty="0" err="1"/>
+              <a:t>untuk</a:t>
+            </a:r>
+            <a:r>
+              <a:rPr lang="en-US" sz="2400" dirty="0"/>
+              <a:t> </a:t>
+            </a:r>
+            <a:r>
+              <a:rPr lang="en-US" sz="2400" dirty="0" err="1"/>
+              <a:t>membayar</a:t>
+            </a:r>
+            <a:r>
+              <a:rPr lang="en-US" sz="2400" dirty="0"/>
+              <a:t> uc/diamond game</a:t>
+            </a:r>
+          </a:p>
+        </p:txBody>
+      </p:sp>
+    </p:spTree>
+    <p:extLst>
+      <p:ext uri="{BB962C8B-B14F-4D97-AF65-F5344CB8AC3E}">
+        <p14:creationId xmlns:p14="http://schemas.microsoft.com/office/powerpoint/2010/main" val="375694132"/>
+      </p:ext>
+    </p:extLst>
+  </p:cSld>
+  <p:clrMapOvr>
+    <a:masterClrMapping/>
+  </p:clrMapOvr>
+</p:sld>
+</file>
+
+<file path=ppt/slides/slide27.xml><?xml version="1.0" encoding="utf-8"?>
+<p:sld xmlns:a="http://schemas.openxmlformats.org/drawingml/2006/main" xmlns:r="http://schemas.openxmlformats.org/officeDocument/2006/relationships" xmlns:p="http://schemas.openxmlformats.org/presentationml/2006/main">
+  <p:cSld>
+    <p:spTree>
+      <p:nvGrpSpPr>
+        <p:cNvPr id="1" name="">
+          <a:extLst>
+            <a:ext uri="{FF2B5EF4-FFF2-40B4-BE49-F238E27FC236}">
+              <a16:creationId xmlns:a16="http://schemas.microsoft.com/office/drawing/2014/main" id="{A322472B-FA75-96E3-FF60-2E1B03CD3340}"/>
+            </a:ext>
+          </a:extLst>
+        </p:cNvPr>
+        <p:cNvGrpSpPr/>
+        <p:nvPr/>
+      </p:nvGrpSpPr>
+      <p:grpSpPr>
+        <a:xfrm>
+          <a:off x="0" y="0"/>
+          <a:ext cx="0" cy="0"/>
+          <a:chOff x="0" y="0"/>
+          <a:chExt cx="0" cy="0"/>
+        </a:xfrm>
+      </p:grpSpPr>
+      <p:pic>
+        <p:nvPicPr>
+          <p:cNvPr id="4" name="Picture 3">
+            <a:extLst>
+              <a:ext uri="{FF2B5EF4-FFF2-40B4-BE49-F238E27FC236}">
+                <a16:creationId xmlns:a16="http://schemas.microsoft.com/office/drawing/2014/main" id="{E7635F50-68AD-0001-3068-96181B5503A3}"/>
+              </a:ext>
+            </a:extLst>
+          </p:cNvPr>
+          <p:cNvPicPr>
+            <a:picLocks noChangeAspect="1"/>
+          </p:cNvPicPr>
+          <p:nvPr/>
+        </p:nvPicPr>
+        <p:blipFill>
+          <a:blip r:embed="rId2">
+            <a:extLst>
+              <a:ext uri="{28A0092B-C50C-407E-A947-70E740481C1C}">
+                <a14:useLocalDpi xmlns:a14="http://schemas.microsoft.com/office/drawing/2010/main" val="0"/>
+              </a:ext>
+            </a:extLst>
+          </a:blip>
+          <a:srcRect/>
+          <a:stretch/>
+        </p:blipFill>
+        <p:spPr>
+          <a:xfrm>
+            <a:off x="33820" y="226925"/>
+            <a:ext cx="12124359" cy="6404149"/>
+          </a:xfrm>
+          <a:prstGeom prst="rect">
+            <a:avLst/>
+          </a:prstGeom>
+        </p:spPr>
+      </p:pic>
+      <p:sp>
+        <p:nvSpPr>
+          <p:cNvPr id="2" name="Title 1">
+            <a:extLst>
+              <a:ext uri="{FF2B5EF4-FFF2-40B4-BE49-F238E27FC236}">
+                <a16:creationId xmlns:a16="http://schemas.microsoft.com/office/drawing/2014/main" id="{CF91AE02-F182-ABEC-430C-CECDE63462C1}"/>
+              </a:ext>
+            </a:extLst>
+          </p:cNvPr>
+          <p:cNvSpPr>
+            <a:spLocks noGrp="1"/>
+          </p:cNvSpPr>
+          <p:nvPr>
+            <p:ph type="title"/>
+          </p:nvPr>
+        </p:nvSpPr>
+        <p:spPr>
+          <a:xfrm>
+            <a:off x="652034" y="4038601"/>
+            <a:ext cx="8825660" cy="1653180"/>
+          </a:xfrm>
+        </p:spPr>
+        <p:txBody>
+          <a:bodyPr/>
+          <a:lstStyle/>
+          <a:p>
+            <a:r>
+              <a:rPr lang="en-US" dirty="0">
+                <a:solidFill>
+                  <a:schemeClr val="accent1">
+                    <a:lumMod val="75000"/>
+                  </a:schemeClr>
+                </a:solidFill>
+                <a:latin typeface="Eras Demi ITC" panose="020B0805030504020804" pitchFamily="34" charset="0"/>
+              </a:rPr>
+              <a:t>15. E-wallet </a:t>
+            </a:r>
+            <a:r>
+              <a:rPr lang="en-US" dirty="0" err="1">
+                <a:solidFill>
+                  <a:schemeClr val="accent1">
+                    <a:lumMod val="75000"/>
+                  </a:schemeClr>
+                </a:solidFill>
+                <a:latin typeface="Eras Demi ITC" panose="020B0805030504020804" pitchFamily="34" charset="0"/>
+              </a:rPr>
+              <a:t>pembayaran</a:t>
+            </a:r>
+            <a:r>
+              <a:rPr lang="en-US" dirty="0">
+                <a:solidFill>
+                  <a:schemeClr val="accent1">
+                    <a:lumMod val="75000"/>
+                  </a:schemeClr>
+                </a:solidFill>
+                <a:latin typeface="Eras Demi ITC" panose="020B0805030504020804" pitchFamily="34" charset="0"/>
+              </a:rPr>
+              <a:t>(GOPAY)</a:t>
+            </a:r>
+          </a:p>
+        </p:txBody>
+      </p:sp>
+    </p:spTree>
+    <p:extLst>
+      <p:ext uri="{BB962C8B-B14F-4D97-AF65-F5344CB8AC3E}">
+        <p14:creationId xmlns:p14="http://schemas.microsoft.com/office/powerpoint/2010/main" val="4183380615"/>
+      </p:ext>
+    </p:extLst>
+  </p:cSld>
+  <p:clrMapOvr>
+    <a:masterClrMapping/>
+  </p:clrMapOvr>
+</p:sld>
+</file>
+
+<file path=ppt/slides/slide28.xml><?xml version="1.0" encoding="utf-8"?>
+<p:sld xmlns:a="http://schemas.openxmlformats.org/drawingml/2006/main" xmlns:r="http://schemas.openxmlformats.org/officeDocument/2006/relationships" xmlns:p="http://schemas.openxmlformats.org/presentationml/2006/main">
+  <p:cSld>
+    <p:spTree>
+      <p:nvGrpSpPr>
+        <p:cNvPr id="1" name="">
+          <a:extLst>
+            <a:ext uri="{FF2B5EF4-FFF2-40B4-BE49-F238E27FC236}">
+              <a16:creationId xmlns:a16="http://schemas.microsoft.com/office/drawing/2014/main" id="{02FB1FCD-3DAC-0CCE-0E31-BA4D5A53BF17}"/>
+            </a:ext>
+          </a:extLst>
+        </p:cNvPr>
+        <p:cNvGrpSpPr/>
+        <p:nvPr/>
+      </p:nvGrpSpPr>
+      <p:grpSpPr>
+        <a:xfrm>
+          <a:off x="0" y="0"/>
+          <a:ext cx="0" cy="0"/>
+          <a:chOff x="0" y="0"/>
+          <a:chExt cx="0" cy="0"/>
+        </a:xfrm>
+      </p:grpSpPr>
+      <p:sp>
+        <p:nvSpPr>
+          <p:cNvPr id="2" name="Title 1">
+            <a:extLst>
+              <a:ext uri="{FF2B5EF4-FFF2-40B4-BE49-F238E27FC236}">
+                <a16:creationId xmlns:a16="http://schemas.microsoft.com/office/drawing/2014/main" id="{01579362-4172-1382-9184-6715897EF74F}"/>
+              </a:ext>
+            </a:extLst>
+          </p:cNvPr>
+          <p:cNvSpPr>
+            <a:spLocks noGrp="1"/>
+          </p:cNvSpPr>
+          <p:nvPr>
+            <p:ph type="title"/>
+          </p:nvPr>
+        </p:nvSpPr>
+        <p:spPr/>
+        <p:txBody>
+          <a:bodyPr/>
+          <a:lstStyle/>
+          <a:p>
+            <a:r>
+              <a:rPr lang="en-US" dirty="0"/>
+              <a:t>Gopay.html</a:t>
+            </a:r>
+            <a:br>
+              <a:rPr lang="en-US" dirty="0"/>
+            </a:br>
+            <a:br>
+              <a:rPr lang="en-US" dirty="0"/>
+            </a:br>
+            <a:r>
+              <a:rPr lang="en-US" sz="2800" dirty="0" err="1"/>
+              <a:t>Berfungsi</a:t>
+            </a:r>
+            <a:r>
+              <a:rPr lang="en-US" sz="2800" dirty="0"/>
+              <a:t> </a:t>
+            </a:r>
+            <a:r>
+              <a:rPr lang="en-US" sz="2800" dirty="0" err="1"/>
+              <a:t>untuk</a:t>
+            </a:r>
+            <a:r>
+              <a:rPr lang="en-US" sz="2800" dirty="0"/>
+              <a:t> user yang </a:t>
+            </a:r>
+            <a:r>
+              <a:rPr lang="en-US" sz="2800" dirty="0" err="1"/>
+              <a:t>menggunakan</a:t>
+            </a:r>
+            <a:r>
+              <a:rPr lang="en-US" sz="2800" dirty="0"/>
+              <a:t> </a:t>
+            </a:r>
+            <a:r>
+              <a:rPr lang="en-US" sz="2800" dirty="0" err="1"/>
+              <a:t>gopay</a:t>
+            </a:r>
+            <a:endParaRPr lang="en-US" sz="2800" dirty="0"/>
+          </a:p>
+        </p:txBody>
+      </p:sp>
+    </p:spTree>
+    <p:extLst>
+      <p:ext uri="{BB962C8B-B14F-4D97-AF65-F5344CB8AC3E}">
+        <p14:creationId xmlns:p14="http://schemas.microsoft.com/office/powerpoint/2010/main" val="1532859165"/>
+      </p:ext>
+    </p:extLst>
+  </p:cSld>
+  <p:clrMapOvr>
+    <a:masterClrMapping/>
+  </p:clrMapOvr>
+</p:sld>
+</file>
+
+<file path=ppt/slides/slide29.xml><?xml version="1.0" encoding="utf-8"?>
 <p:sld xmlns:a="http://schemas.openxmlformats.org/drawingml/2006/main" xmlns:r="http://schemas.openxmlformats.org/officeDocument/2006/relationships" xmlns:p="http://schemas.openxmlformats.org/presentationml/2006/main">
   <p:cSld>
     <p:spTree>
@@ -9783,7 +9956,7 @@
           <p:cNvPr id="2" name="Title 1">
             <a:extLst>
               <a:ext uri="{FF2B5EF4-FFF2-40B4-BE49-F238E27FC236}">
-                <a16:creationId xmlns:a16="http://schemas.microsoft.com/office/drawing/2014/main" id="{A8CA1EE6-1E06-FC0C-8D0A-3949F54E4F43}"/>
+                <a16:creationId xmlns:a16="http://schemas.microsoft.com/office/drawing/2014/main" id="{8AE11A24-884B-41C9-AE6A-EDE04EDF1D83}"/>
               </a:ext>
             </a:extLst>
           </p:cNvPr>
@@ -9799,20 +9972,20 @@
           <a:bodyPr/>
           <a:lstStyle/>
           <a:p>
-            <a:r>
-              <a:rPr lang="en-US" dirty="0" err="1"/>
-              <a:t>Penutup</a:t>
-            </a:r>
-            <a:endParaRPr lang="en-US" dirty="0"/>
-          </a:p>
-        </p:txBody>
-      </p:sp>
-      <p:sp>
-        <p:nvSpPr>
-          <p:cNvPr id="3" name="Text Placeholder 2">
+            <a:pPr algn="ctr"/>
+            <a:r>
+              <a:rPr lang="en-US" dirty="0"/>
+              <a:t>Kesimpulan</a:t>
+            </a:r>
+          </a:p>
+        </p:txBody>
+      </p:sp>
+      <p:sp>
+        <p:nvSpPr>
+          <p:cNvPr id="3" name="Content Placeholder 2">
             <a:extLst>
               <a:ext uri="{FF2B5EF4-FFF2-40B4-BE49-F238E27FC236}">
-                <a16:creationId xmlns:a16="http://schemas.microsoft.com/office/drawing/2014/main" id="{81AA47CF-90F5-C383-1487-246267F0D812}"/>
+                <a16:creationId xmlns:a16="http://schemas.microsoft.com/office/drawing/2014/main" id="{8FC3550B-C92F-1EDF-B035-8F06EBF74418}"/>
               </a:ext>
             </a:extLst>
           </p:cNvPr>
@@ -9820,7 +9993,7 @@
             <a:spLocks noGrp="1"/>
           </p:cNvSpPr>
           <p:nvPr>
-            <p:ph type="body" idx="1"/>
+            <p:ph idx="1"/>
           </p:nvPr>
         </p:nvSpPr>
         <p:spPr/>
@@ -9829,44 +10002,248 @@
           <a:lstStyle/>
           <a:p>
             <a:r>
-              <a:rPr lang="en-US" dirty="0" err="1"/>
-              <a:t>Sekian</a:t>
-            </a:r>
-            <a:r>
-              <a:rPr lang="en-US" dirty="0"/>
-              <a:t> </a:t>
-            </a:r>
-            <a:r>
-              <a:rPr lang="en-US" dirty="0" err="1"/>
-              <a:t>dari</a:t>
-            </a:r>
-            <a:r>
-              <a:rPr lang="en-US" dirty="0"/>
-              <a:t> kami </a:t>
-            </a:r>
-            <a:r>
-              <a:rPr lang="en-US" dirty="0" err="1"/>
-              <a:t>maaf</a:t>
-            </a:r>
-            <a:r>
-              <a:rPr lang="en-US" dirty="0"/>
-              <a:t> </a:t>
-            </a:r>
-            <a:r>
-              <a:rPr lang="en-US" dirty="0" err="1"/>
-              <a:t>bila</a:t>
-            </a:r>
-            <a:r>
-              <a:rPr lang="en-US" dirty="0"/>
-              <a:t> </a:t>
-            </a:r>
-            <a:r>
-              <a:rPr lang="en-US" dirty="0" err="1"/>
-              <a:t>ada</a:t>
-            </a:r>
-            <a:r>
-              <a:rPr lang="en-US" dirty="0"/>
-              <a:t> salah</a:t>
+              <a:rPr lang="en-US" dirty="0"/>
+              <a:t>Acil Store </a:t>
+            </a:r>
+            <a:r>
+              <a:rPr lang="en-US" dirty="0" err="1"/>
+              <a:t>hadir</a:t>
+            </a:r>
+            <a:r>
+              <a:rPr lang="en-US" dirty="0"/>
+              <a:t> </a:t>
+            </a:r>
+            <a:r>
+              <a:rPr lang="en-US" dirty="0" err="1"/>
+              <a:t>sebagai</a:t>
+            </a:r>
+            <a:r>
+              <a:rPr lang="en-US" dirty="0"/>
+              <a:t> </a:t>
+            </a:r>
+            <a:r>
+              <a:rPr lang="en-US" dirty="0" err="1"/>
+              <a:t>solusi</a:t>
+            </a:r>
+            <a:r>
+              <a:rPr lang="en-US" dirty="0"/>
+              <a:t> </a:t>
+            </a:r>
+            <a:r>
+              <a:rPr lang="en-US" dirty="0" err="1"/>
+              <a:t>praktis</a:t>
+            </a:r>
+            <a:r>
+              <a:rPr lang="en-US" dirty="0"/>
+              <a:t> </a:t>
+            </a:r>
+            <a:r>
+              <a:rPr lang="en-US" dirty="0" err="1"/>
+              <a:t>bagi</a:t>
+            </a:r>
+            <a:r>
+              <a:rPr lang="en-US" dirty="0"/>
+              <a:t> para gamer yang </a:t>
+            </a:r>
+            <a:r>
+              <a:rPr lang="en-US" dirty="0" err="1"/>
+              <a:t>ingin</a:t>
+            </a:r>
+            <a:r>
+              <a:rPr lang="en-US" dirty="0"/>
+              <a:t> </a:t>
+            </a:r>
+            <a:r>
+              <a:rPr lang="en-US" dirty="0" err="1"/>
+              <a:t>melakukan</a:t>
+            </a:r>
+            <a:r>
+              <a:rPr lang="en-US" dirty="0"/>
+              <a:t> top up </a:t>
+            </a:r>
+            <a:r>
+              <a:rPr lang="en-US" dirty="0" err="1"/>
+              <a:t>dengan</a:t>
+            </a:r>
+            <a:r>
+              <a:rPr lang="en-US" dirty="0"/>
+              <a:t> </a:t>
+            </a:r>
+            <a:r>
+              <a:rPr lang="en-US" dirty="0" err="1"/>
+              <a:t>cepat</a:t>
+            </a:r>
+            <a:r>
+              <a:rPr lang="en-US" dirty="0"/>
+              <a:t>, </a:t>
+            </a:r>
+            <a:r>
+              <a:rPr lang="en-US" dirty="0" err="1"/>
+              <a:t>aman</a:t>
+            </a:r>
+            <a:r>
+              <a:rPr lang="en-US" dirty="0"/>
+              <a:t>, dan </a:t>
+            </a:r>
+            <a:r>
+              <a:rPr lang="en-US" dirty="0" err="1"/>
+              <a:t>mudah</a:t>
+            </a:r>
+            <a:r>
+              <a:rPr lang="en-US" dirty="0"/>
+              <a:t>. </a:t>
+            </a:r>
+            <a:r>
+              <a:rPr lang="en-US" dirty="0" err="1"/>
+              <a:t>Dengan</a:t>
+            </a:r>
+            <a:r>
+              <a:rPr lang="en-US" dirty="0"/>
+              <a:t> </a:t>
+            </a:r>
+            <a:r>
+              <a:rPr lang="en-US" dirty="0" err="1"/>
+              <a:t>tampilan</a:t>
+            </a:r>
+            <a:r>
+              <a:rPr lang="en-US" dirty="0"/>
+              <a:t> yang user-friendly, </a:t>
+            </a:r>
+            <a:r>
+              <a:rPr lang="en-US" dirty="0" err="1"/>
+              <a:t>pilihan</a:t>
+            </a:r>
+            <a:r>
+              <a:rPr lang="en-US" dirty="0"/>
+              <a:t> </a:t>
+            </a:r>
+            <a:r>
+              <a:rPr lang="en-US" dirty="0" err="1"/>
+              <a:t>metode</a:t>
+            </a:r>
+            <a:r>
+              <a:rPr lang="en-US" dirty="0"/>
+              <a:t> </a:t>
+            </a:r>
+            <a:r>
+              <a:rPr lang="en-US" dirty="0" err="1"/>
+              <a:t>pembayaran</a:t>
+            </a:r>
+            <a:r>
+              <a:rPr lang="en-US" dirty="0"/>
+              <a:t> yang </a:t>
+            </a:r>
+            <a:r>
+              <a:rPr lang="en-US" dirty="0" err="1"/>
+              <a:t>beragam</a:t>
+            </a:r>
+            <a:r>
+              <a:rPr lang="en-US" dirty="0"/>
+              <a:t>, </a:t>
+            </a:r>
+            <a:r>
+              <a:rPr lang="en-US" dirty="0" err="1"/>
+              <a:t>serta</a:t>
+            </a:r>
+            <a:r>
+              <a:rPr lang="en-US" dirty="0"/>
+              <a:t> proses </a:t>
+            </a:r>
+            <a:r>
+              <a:rPr lang="en-US" dirty="0" err="1"/>
+              <a:t>transaksi</a:t>
+            </a:r>
+            <a:r>
+              <a:rPr lang="en-US" dirty="0"/>
+              <a:t> yang </a:t>
+            </a:r>
+            <a:r>
+              <a:rPr lang="en-US" dirty="0" err="1"/>
+              <a:t>efisien</a:t>
+            </a:r>
+            <a:r>
+              <a:rPr lang="en-US" dirty="0"/>
+              <a:t>, Acil Store </a:t>
+            </a:r>
+            <a:r>
+              <a:rPr lang="en-US" dirty="0" err="1"/>
+              <a:t>diharapkan</a:t>
+            </a:r>
+            <a:r>
+              <a:rPr lang="en-US" dirty="0"/>
+              <a:t> </a:t>
+            </a:r>
+            <a:r>
+              <a:rPr lang="en-US" dirty="0" err="1"/>
+              <a:t>dapat</a:t>
+            </a:r>
+            <a:r>
+              <a:rPr lang="en-US" dirty="0"/>
+              <a:t> </a:t>
+            </a:r>
+            <a:r>
+              <a:rPr lang="en-US" dirty="0" err="1"/>
+              <a:t>menjadi</a:t>
+            </a:r>
+            <a:r>
+              <a:rPr lang="en-US" dirty="0"/>
+              <a:t> platform </a:t>
+            </a:r>
+            <a:r>
+              <a:rPr lang="en-US" dirty="0" err="1"/>
+              <a:t>lokal</a:t>
+            </a:r>
+            <a:r>
+              <a:rPr lang="en-US" dirty="0"/>
+              <a:t> yang </a:t>
+            </a:r>
+            <a:r>
+              <a:rPr lang="en-US" dirty="0" err="1"/>
+              <a:t>terpercaya</a:t>
+            </a:r>
+            <a:r>
+              <a:rPr lang="en-US" dirty="0"/>
+              <a:t> dan </a:t>
+            </a:r>
+            <a:r>
+              <a:rPr lang="en-US" dirty="0" err="1"/>
+              <a:t>mampu</a:t>
+            </a:r>
+            <a:r>
+              <a:rPr lang="en-US" dirty="0"/>
+              <a:t> </a:t>
+            </a:r>
+            <a:r>
+              <a:rPr lang="en-US" dirty="0" err="1"/>
+              <a:t>memenuhi</a:t>
+            </a:r>
+            <a:r>
+              <a:rPr lang="en-US" dirty="0"/>
+              <a:t> </a:t>
+            </a:r>
+            <a:r>
+              <a:rPr lang="en-US" dirty="0" err="1"/>
+              <a:t>kebutuhan</a:t>
+            </a:r>
+            <a:r>
+              <a:rPr lang="en-US" dirty="0"/>
+              <a:t> digital para </a:t>
+            </a:r>
+            <a:r>
+              <a:rPr lang="en-US" dirty="0" err="1"/>
+              <a:t>pengguna</a:t>
+            </a:r>
+            <a:r>
+              <a:rPr lang="en-US" dirty="0"/>
+              <a:t> di era modern </a:t>
+            </a:r>
+            <a:r>
+              <a:rPr lang="en-US" dirty="0" err="1"/>
+              <a:t>ini</a:t>
+            </a:r>
+            <a:r>
+              <a:rPr lang="en-US" dirty="0"/>
+              <a:t>.</a:t>
             </a:r>
           </a:p>
         </p:txBody>
@@ -9874,7 +10251,7 @@
     </p:spTree>
     <p:extLst>
       <p:ext uri="{BB962C8B-B14F-4D97-AF65-F5344CB8AC3E}">
-        <p14:creationId xmlns:p14="http://schemas.microsoft.com/office/powerpoint/2010/main" val="1410451878"/>
+        <p14:creationId xmlns:p14="http://schemas.microsoft.com/office/powerpoint/2010/main" val="209368910"/>
       </p:ext>
     </p:extLst>
   </p:cSld>
@@ -10201,6 +10578,129 @@
     <p:extLst>
       <p:ext uri="{BB962C8B-B14F-4D97-AF65-F5344CB8AC3E}">
         <p14:creationId xmlns:p14="http://schemas.microsoft.com/office/powerpoint/2010/main" val="2495076482"/>
+      </p:ext>
+    </p:extLst>
+  </p:cSld>
+  <p:clrMapOvr>
+    <a:masterClrMapping/>
+  </p:clrMapOvr>
+</p:sld>
+</file>
+
+<file path=ppt/slides/slide30.xml><?xml version="1.0" encoding="utf-8"?>
+<p:sld xmlns:a="http://schemas.openxmlformats.org/drawingml/2006/main" xmlns:r="http://schemas.openxmlformats.org/officeDocument/2006/relationships" xmlns:p="http://schemas.openxmlformats.org/presentationml/2006/main">
+  <p:cSld>
+    <p:spTree>
+      <p:nvGrpSpPr>
+        <p:cNvPr id="1" name=""/>
+        <p:cNvGrpSpPr/>
+        <p:nvPr/>
+      </p:nvGrpSpPr>
+      <p:grpSpPr>
+        <a:xfrm>
+          <a:off x="0" y="0"/>
+          <a:ext cx="0" cy="0"/>
+          <a:chOff x="0" y="0"/>
+          <a:chExt cx="0" cy="0"/>
+        </a:xfrm>
+      </p:grpSpPr>
+      <p:sp>
+        <p:nvSpPr>
+          <p:cNvPr id="2" name="Title 1">
+            <a:extLst>
+              <a:ext uri="{FF2B5EF4-FFF2-40B4-BE49-F238E27FC236}">
+                <a16:creationId xmlns:a16="http://schemas.microsoft.com/office/drawing/2014/main" id="{A8CA1EE6-1E06-FC0C-8D0A-3949F54E4F43}"/>
+              </a:ext>
+            </a:extLst>
+          </p:cNvPr>
+          <p:cNvSpPr>
+            <a:spLocks noGrp="1"/>
+          </p:cNvSpPr>
+          <p:nvPr>
+            <p:ph type="title"/>
+          </p:nvPr>
+        </p:nvSpPr>
+        <p:spPr/>
+        <p:txBody>
+          <a:bodyPr/>
+          <a:lstStyle/>
+          <a:p>
+            <a:r>
+              <a:rPr lang="en-US" dirty="0" err="1"/>
+              <a:t>Penutup</a:t>
+            </a:r>
+            <a:endParaRPr lang="en-US" dirty="0"/>
+          </a:p>
+        </p:txBody>
+      </p:sp>
+      <p:sp>
+        <p:nvSpPr>
+          <p:cNvPr id="3" name="Text Placeholder 2">
+            <a:extLst>
+              <a:ext uri="{FF2B5EF4-FFF2-40B4-BE49-F238E27FC236}">
+                <a16:creationId xmlns:a16="http://schemas.microsoft.com/office/drawing/2014/main" id="{81AA47CF-90F5-C383-1487-246267F0D812}"/>
+              </a:ext>
+            </a:extLst>
+          </p:cNvPr>
+          <p:cNvSpPr>
+            <a:spLocks noGrp="1"/>
+          </p:cNvSpPr>
+          <p:nvPr>
+            <p:ph type="body" idx="1"/>
+          </p:nvPr>
+        </p:nvSpPr>
+        <p:spPr/>
+        <p:txBody>
+          <a:bodyPr/>
+          <a:lstStyle/>
+          <a:p>
+            <a:r>
+              <a:rPr lang="en-US" dirty="0" err="1"/>
+              <a:t>Sekian</a:t>
+            </a:r>
+            <a:r>
+              <a:rPr lang="en-US" dirty="0"/>
+              <a:t> </a:t>
+            </a:r>
+            <a:r>
+              <a:rPr lang="en-US" dirty="0" err="1"/>
+              <a:t>dari</a:t>
+            </a:r>
+            <a:r>
+              <a:rPr lang="en-US" dirty="0"/>
+              <a:t> kami </a:t>
+            </a:r>
+            <a:r>
+              <a:rPr lang="en-US" dirty="0" err="1"/>
+              <a:t>maaf</a:t>
+            </a:r>
+            <a:r>
+              <a:rPr lang="en-US" dirty="0"/>
+              <a:t> </a:t>
+            </a:r>
+            <a:r>
+              <a:rPr lang="en-US" dirty="0" err="1"/>
+              <a:t>bila</a:t>
+            </a:r>
+            <a:r>
+              <a:rPr lang="en-US" dirty="0"/>
+              <a:t> </a:t>
+            </a:r>
+            <a:r>
+              <a:rPr lang="en-US" dirty="0" err="1"/>
+              <a:t>ada</a:t>
+            </a:r>
+            <a:r>
+              <a:rPr lang="en-US" dirty="0"/>
+              <a:t> salah</a:t>
+            </a:r>
+          </a:p>
+        </p:txBody>
+      </p:sp>
+    </p:spTree>
+    <p:extLst>
+      <p:ext uri="{BB962C8B-B14F-4D97-AF65-F5344CB8AC3E}">
+        <p14:creationId xmlns:p14="http://schemas.microsoft.com/office/powerpoint/2010/main" val="1410451878"/>
       </p:ext>
     </p:extLst>
   </p:cSld>

--- a/laporan ppt/Kelompok 3.pptx
+++ b/laporan ppt/Kelompok 3.pptx
@@ -29,8 +29,12 @@
     <p:sldId id="268" r:id="rId23"/>
     <p:sldId id="269" r:id="rId24"/>
     <p:sldId id="270" r:id="rId25"/>
-    <p:sldId id="281" r:id="rId26"/>
-    <p:sldId id="271" r:id="rId27"/>
+    <p:sldId id="282" r:id="rId26"/>
+    <p:sldId id="283" r:id="rId27"/>
+    <p:sldId id="284" r:id="rId28"/>
+    <p:sldId id="285" r:id="rId29"/>
+    <p:sldId id="281" r:id="rId30"/>
+    <p:sldId id="271" r:id="rId31"/>
   </p:sldIdLst>
   <p:sldSz cx="12192000" cy="6858000"/>
   <p:notesSz cx="6858000" cy="9144000"/>
@@ -323,7 +327,7 @@
           <a:p>
             <a:fld id="{3285FFC9-952C-4205-B8F7-7084C41BF0C0}" type="datetimeFigureOut">
               <a:rPr lang="en-US" smtClean="0"/>
-              <a:t>5/15/2025</a:t>
+              <a:t>5/21/2025</a:t>
             </a:fld>
             <a:endParaRPr lang="en-US"/>
           </a:p>
@@ -598,7 +602,7 @@
           <a:p>
             <a:fld id="{3285FFC9-952C-4205-B8F7-7084C41BF0C0}" type="datetimeFigureOut">
               <a:rPr lang="en-US" smtClean="0"/>
-              <a:t>5/15/2025</a:t>
+              <a:t>5/21/2025</a:t>
             </a:fld>
             <a:endParaRPr lang="en-US"/>
           </a:p>
@@ -792,7 +796,7 @@
           <a:p>
             <a:fld id="{3285FFC9-952C-4205-B8F7-7084C41BF0C0}" type="datetimeFigureOut">
               <a:rPr lang="en-US" smtClean="0"/>
-              <a:t>5/15/2025</a:t>
+              <a:t>5/21/2025</a:t>
             </a:fld>
             <a:endParaRPr lang="en-US"/>
           </a:p>
@@ -1065,7 +1069,7 @@
           <a:p>
             <a:fld id="{3285FFC9-952C-4205-B8F7-7084C41BF0C0}" type="datetimeFigureOut">
               <a:rPr lang="en-US" smtClean="0"/>
-              <a:t>5/15/2025</a:t>
+              <a:t>5/21/2025</a:t>
             </a:fld>
             <a:endParaRPr lang="en-US"/>
           </a:p>
@@ -1406,7 +1410,7 @@
           <a:p>
             <a:fld id="{3285FFC9-952C-4205-B8F7-7084C41BF0C0}" type="datetimeFigureOut">
               <a:rPr lang="en-US" smtClean="0"/>
-              <a:t>5/15/2025</a:t>
+              <a:t>5/21/2025</a:t>
             </a:fld>
             <a:endParaRPr lang="en-US"/>
           </a:p>
@@ -2029,7 +2033,7 @@
           <a:p>
             <a:fld id="{3285FFC9-952C-4205-B8F7-7084C41BF0C0}" type="datetimeFigureOut">
               <a:rPr lang="en-US" smtClean="0"/>
-              <a:t>5/15/2025</a:t>
+              <a:t>5/21/2025</a:t>
             </a:fld>
             <a:endParaRPr lang="en-US"/>
           </a:p>
@@ -2889,7 +2893,7 @@
           <a:p>
             <a:fld id="{3285FFC9-952C-4205-B8F7-7084C41BF0C0}" type="datetimeFigureOut">
               <a:rPr lang="en-US" smtClean="0"/>
-              <a:t>5/15/2025</a:t>
+              <a:t>5/21/2025</a:t>
             </a:fld>
             <a:endParaRPr lang="en-US"/>
           </a:p>
@@ -3059,7 +3063,7 @@
           <a:p>
             <a:fld id="{3285FFC9-952C-4205-B8F7-7084C41BF0C0}" type="datetimeFigureOut">
               <a:rPr lang="en-US" smtClean="0"/>
-              <a:t>5/15/2025</a:t>
+              <a:t>5/21/2025</a:t>
             </a:fld>
             <a:endParaRPr lang="en-US"/>
           </a:p>
@@ -3239,7 +3243,7 @@
           <a:p>
             <a:fld id="{3285FFC9-952C-4205-B8F7-7084C41BF0C0}" type="datetimeFigureOut">
               <a:rPr lang="en-US" smtClean="0"/>
-              <a:t>5/15/2025</a:t>
+              <a:t>5/21/2025</a:t>
             </a:fld>
             <a:endParaRPr lang="en-US"/>
           </a:p>
@@ -3409,7 +3413,7 @@
           <a:p>
             <a:fld id="{3285FFC9-952C-4205-B8F7-7084C41BF0C0}" type="datetimeFigureOut">
               <a:rPr lang="en-US" smtClean="0"/>
-              <a:t>5/15/2025</a:t>
+              <a:t>5/21/2025</a:t>
             </a:fld>
             <a:endParaRPr lang="en-US"/>
           </a:p>
@@ -3656,7 +3660,7 @@
           <a:p>
             <a:fld id="{3285FFC9-952C-4205-B8F7-7084C41BF0C0}" type="datetimeFigureOut">
               <a:rPr lang="en-US" smtClean="0"/>
-              <a:t>5/15/2025</a:t>
+              <a:t>5/21/2025</a:t>
             </a:fld>
             <a:endParaRPr lang="en-US"/>
           </a:p>
@@ -3948,7 +3952,7 @@
           <a:p>
             <a:fld id="{3285FFC9-952C-4205-B8F7-7084C41BF0C0}" type="datetimeFigureOut">
               <a:rPr lang="en-US" smtClean="0"/>
-              <a:t>5/15/2025</a:t>
+              <a:t>5/21/2025</a:t>
             </a:fld>
             <a:endParaRPr lang="en-US"/>
           </a:p>
@@ -4392,7 +4396,7 @@
           <a:p>
             <a:fld id="{3285FFC9-952C-4205-B8F7-7084C41BF0C0}" type="datetimeFigureOut">
               <a:rPr lang="en-US" smtClean="0"/>
-              <a:t>5/15/2025</a:t>
+              <a:t>5/21/2025</a:t>
             </a:fld>
             <a:endParaRPr lang="en-US"/>
           </a:p>
@@ -4510,7 +4514,7 @@
           <a:p>
             <a:fld id="{3285FFC9-952C-4205-B8F7-7084C41BF0C0}" type="datetimeFigureOut">
               <a:rPr lang="en-US" smtClean="0"/>
-              <a:t>5/15/2025</a:t>
+              <a:t>5/21/2025</a:t>
             </a:fld>
             <a:endParaRPr lang="en-US"/>
           </a:p>
@@ -4605,7 +4609,7 @@
           <a:p>
             <a:fld id="{3285FFC9-952C-4205-B8F7-7084C41BF0C0}" type="datetimeFigureOut">
               <a:rPr lang="en-US" smtClean="0"/>
-              <a:t>5/15/2025</a:t>
+              <a:t>5/21/2025</a:t>
             </a:fld>
             <a:endParaRPr lang="en-US"/>
           </a:p>
@@ -4884,7 +4888,7 @@
           <a:p>
             <a:fld id="{3285FFC9-952C-4205-B8F7-7084C41BF0C0}" type="datetimeFigureOut">
               <a:rPr lang="en-US" smtClean="0"/>
-              <a:t>5/15/2025</a:t>
+              <a:t>5/21/2025</a:t>
             </a:fld>
             <a:endParaRPr lang="en-US"/>
           </a:p>
@@ -5159,7 +5163,7 @@
           <a:p>
             <a:fld id="{3285FFC9-952C-4205-B8F7-7084C41BF0C0}" type="datetimeFigureOut">
               <a:rPr lang="en-US" smtClean="0"/>
-              <a:t>5/15/2025</a:t>
+              <a:t>5/21/2025</a:t>
             </a:fld>
             <a:endParaRPr lang="en-US"/>
           </a:p>
@@ -5588,7 +5592,7 @@
           <a:p>
             <a:fld id="{3285FFC9-952C-4205-B8F7-7084C41BF0C0}" type="datetimeFigureOut">
               <a:rPr lang="en-US" smtClean="0"/>
-              <a:t>5/15/2025</a:t>
+              <a:t>5/21/2025</a:t>
             </a:fld>
             <a:endParaRPr lang="en-US"/>
           </a:p>
@@ -6490,8 +6494,8 @@
         </p:blipFill>
         <p:spPr>
           <a:xfrm>
-            <a:off x="0" y="0"/>
-            <a:ext cx="12192000" cy="6858000"/>
+            <a:off x="0" y="217993"/>
+            <a:ext cx="12192000" cy="6422013"/>
           </a:xfrm>
           <a:prstGeom prst="rect">
             <a:avLst/>
@@ -6663,7 +6667,31 @@
             </a:r>
             <a:r>
               <a:rPr lang="en-US" sz="2400" dirty="0"/>
-              <a:t> top up.</a:t>
+              <a:t> top up </a:t>
+            </a:r>
+            <a:r>
+              <a:rPr lang="en-US" sz="2400" dirty="0" err="1"/>
+              <a:t>serta</a:t>
+            </a:r>
+            <a:r>
+              <a:rPr lang="en-US" sz="2400" dirty="0"/>
+              <a:t> </a:t>
+            </a:r>
+            <a:r>
+              <a:rPr lang="en-US" sz="2400" dirty="0" err="1"/>
+              <a:t>latar</a:t>
+            </a:r>
+            <a:r>
+              <a:rPr lang="en-US" sz="2400" dirty="0"/>
+              <a:t> </a:t>
+            </a:r>
+            <a:r>
+              <a:rPr lang="en-US" sz="2400" dirty="0" err="1"/>
+              <a:t>belakang</a:t>
+            </a:r>
+            <a:r>
+              <a:rPr lang="en-US" sz="2400" dirty="0"/>
+              <a:t> video.</a:t>
             </a:r>
           </a:p>
         </p:txBody>
@@ -7736,8 +7764,8 @@
         </p:blipFill>
         <p:spPr>
           <a:xfrm>
-            <a:off x="0" y="0"/>
-            <a:ext cx="12192000" cy="6857999"/>
+            <a:off x="0" y="235857"/>
+            <a:ext cx="12192000" cy="6386285"/>
           </a:xfrm>
           <a:prstGeom prst="rect">
             <a:avLst/>
@@ -9156,8 +9184,8 @@
         </p:blipFill>
         <p:spPr>
           <a:xfrm>
-            <a:off x="0" y="0"/>
-            <a:ext cx="12192000" cy="6858000"/>
+            <a:off x="0" y="3629"/>
+            <a:ext cx="12192000" cy="6850742"/>
           </a:xfrm>
           <a:prstGeom prst="rect">
             <a:avLst/>
@@ -9439,7 +9467,13 @@
   <p:cSld>
     <p:spTree>
       <p:nvGrpSpPr>
-        <p:cNvPr id="1" name=""/>
+        <p:cNvPr id="1" name="">
+          <a:extLst>
+            <a:ext uri="{FF2B5EF4-FFF2-40B4-BE49-F238E27FC236}">
+              <a16:creationId xmlns:a16="http://schemas.microsoft.com/office/drawing/2014/main" id="{8424A32C-F86D-88CB-A955-FB73EAD47972}"/>
+            </a:ext>
+          </a:extLst>
+        </p:cNvPr>
         <p:cNvGrpSpPr/>
         <p:nvPr/>
       </p:nvGrpSpPr>
@@ -9451,12 +9485,47 @@
           <a:chExt cx="0" cy="0"/>
         </a:xfrm>
       </p:grpSpPr>
+      <p:pic>
+        <p:nvPicPr>
+          <p:cNvPr id="4" name="Picture 3">
+            <a:extLst>
+              <a:ext uri="{FF2B5EF4-FFF2-40B4-BE49-F238E27FC236}">
+                <a16:creationId xmlns:a16="http://schemas.microsoft.com/office/drawing/2014/main" id="{8A53749A-49D1-6BDE-9DDD-3AE6EA717E9D}"/>
+              </a:ext>
+            </a:extLst>
+          </p:cNvPr>
+          <p:cNvPicPr>
+            <a:picLocks noChangeAspect="1"/>
+          </p:cNvPicPr>
+          <p:nvPr/>
+        </p:nvPicPr>
+        <p:blipFill>
+          <a:blip r:embed="rId2">
+            <a:extLst>
+              <a:ext uri="{28A0092B-C50C-407E-A947-70E740481C1C}">
+                <a14:useLocalDpi xmlns:a14="http://schemas.microsoft.com/office/drawing/2010/main" val="0"/>
+              </a:ext>
+            </a:extLst>
+          </a:blip>
+          <a:srcRect/>
+          <a:stretch/>
+        </p:blipFill>
+        <p:spPr>
+          <a:xfrm>
+            <a:off x="0" y="226925"/>
+            <a:ext cx="12192000" cy="6404149"/>
+          </a:xfrm>
+          <a:prstGeom prst="rect">
+            <a:avLst/>
+          </a:prstGeom>
+        </p:spPr>
+      </p:pic>
       <p:sp>
         <p:nvSpPr>
           <p:cNvPr id="2" name="Title 1">
             <a:extLst>
               <a:ext uri="{FF2B5EF4-FFF2-40B4-BE49-F238E27FC236}">
-                <a16:creationId xmlns:a16="http://schemas.microsoft.com/office/drawing/2014/main" id="{8AE11A24-884B-41C9-AE6A-EDE04EDF1D83}"/>
+                <a16:creationId xmlns:a16="http://schemas.microsoft.com/office/drawing/2014/main" id="{CFB797FF-3A3C-5AFD-4356-BA3C7332302B}"/>
               </a:ext>
             </a:extLst>
           </p:cNvPr>
@@ -9467,291 +9536,53 @@
             <p:ph type="title"/>
           </p:nvPr>
         </p:nvSpPr>
-        <p:spPr/>
+        <p:spPr>
+          <a:xfrm>
+            <a:off x="652034" y="4038601"/>
+            <a:ext cx="8825660" cy="1653180"/>
+          </a:xfrm>
+        </p:spPr>
         <p:txBody>
           <a:bodyPr/>
           <a:lstStyle/>
           <a:p>
-            <a:pPr algn="ctr"/>
-            <a:r>
-              <a:rPr lang="en-US" dirty="0"/>
-              <a:t>Kesimpulan</a:t>
-            </a:r>
-          </a:p>
-        </p:txBody>
-      </p:sp>
-      <p:sp>
-        <p:nvSpPr>
-          <p:cNvPr id="3" name="Content Placeholder 2">
-            <a:extLst>
-              <a:ext uri="{FF2B5EF4-FFF2-40B4-BE49-F238E27FC236}">
-                <a16:creationId xmlns:a16="http://schemas.microsoft.com/office/drawing/2014/main" id="{8FC3550B-C92F-1EDF-B035-8F06EBF74418}"/>
-              </a:ext>
-            </a:extLst>
-          </p:cNvPr>
-          <p:cNvSpPr>
-            <a:spLocks noGrp="1"/>
-          </p:cNvSpPr>
-          <p:nvPr>
-            <p:ph idx="1"/>
-          </p:nvPr>
-        </p:nvSpPr>
-        <p:spPr/>
-        <p:txBody>
-          <a:bodyPr/>
-          <a:lstStyle/>
-          <a:p>
-            <a:r>
-              <a:rPr lang="en-US" dirty="0"/>
-              <a:t>Acil Store </a:t>
-            </a:r>
-            <a:r>
-              <a:rPr lang="en-US" dirty="0" err="1"/>
-              <a:t>hadir</a:t>
-            </a:r>
-            <a:r>
-              <a:rPr lang="en-US" dirty="0"/>
-              <a:t> </a:t>
-            </a:r>
-            <a:r>
-              <a:rPr lang="en-US" dirty="0" err="1"/>
-              <a:t>sebagai</a:t>
-            </a:r>
-            <a:r>
-              <a:rPr lang="en-US" dirty="0"/>
-              <a:t> </a:t>
-            </a:r>
-            <a:r>
-              <a:rPr lang="en-US" dirty="0" err="1"/>
-              <a:t>solusi</a:t>
-            </a:r>
-            <a:r>
-              <a:rPr lang="en-US" dirty="0"/>
-              <a:t> </a:t>
-            </a:r>
-            <a:r>
-              <a:rPr lang="en-US" dirty="0" err="1"/>
-              <a:t>praktis</a:t>
-            </a:r>
-            <a:r>
-              <a:rPr lang="en-US" dirty="0"/>
-              <a:t> </a:t>
-            </a:r>
-            <a:r>
-              <a:rPr lang="en-US" dirty="0" err="1"/>
-              <a:t>bagi</a:t>
-            </a:r>
-            <a:r>
-              <a:rPr lang="en-US" dirty="0"/>
-              <a:t> para gamer yang </a:t>
-            </a:r>
-            <a:r>
-              <a:rPr lang="en-US" dirty="0" err="1"/>
-              <a:t>ingin</a:t>
-            </a:r>
-            <a:r>
-              <a:rPr lang="en-US" dirty="0"/>
-              <a:t> </a:t>
-            </a:r>
-            <a:r>
-              <a:rPr lang="en-US" dirty="0" err="1"/>
-              <a:t>melakukan</a:t>
-            </a:r>
-            <a:r>
-              <a:rPr lang="en-US" dirty="0"/>
-              <a:t> top up </a:t>
-            </a:r>
-            <a:r>
-              <a:rPr lang="en-US" dirty="0" err="1"/>
-              <a:t>dengan</a:t>
-            </a:r>
-            <a:r>
-              <a:rPr lang="en-US" dirty="0"/>
-              <a:t> </a:t>
-            </a:r>
-            <a:r>
-              <a:rPr lang="en-US" dirty="0" err="1"/>
-              <a:t>cepat</a:t>
-            </a:r>
-            <a:r>
-              <a:rPr lang="en-US" dirty="0"/>
-              <a:t>, </a:t>
-            </a:r>
-            <a:r>
-              <a:rPr lang="en-US" dirty="0" err="1"/>
-              <a:t>aman</a:t>
-            </a:r>
-            <a:r>
-              <a:rPr lang="en-US" dirty="0"/>
-              <a:t>, dan </a:t>
-            </a:r>
-            <a:r>
-              <a:rPr lang="en-US" dirty="0" err="1"/>
-              <a:t>mudah</a:t>
-            </a:r>
-            <a:r>
-              <a:rPr lang="en-US" dirty="0"/>
-              <a:t>. </a:t>
-            </a:r>
-            <a:r>
-              <a:rPr lang="en-US" dirty="0" err="1"/>
-              <a:t>Dengan</a:t>
-            </a:r>
-            <a:r>
-              <a:rPr lang="en-US" dirty="0"/>
-              <a:t> </a:t>
-            </a:r>
-            <a:r>
-              <a:rPr lang="en-US" dirty="0" err="1"/>
-              <a:t>tampilan</a:t>
-            </a:r>
-            <a:r>
-              <a:rPr lang="en-US" dirty="0"/>
-              <a:t> yang user-friendly, </a:t>
-            </a:r>
-            <a:r>
-              <a:rPr lang="en-US" dirty="0" err="1"/>
-              <a:t>pilihan</a:t>
-            </a:r>
-            <a:r>
-              <a:rPr lang="en-US" dirty="0"/>
-              <a:t> </a:t>
-            </a:r>
-            <a:r>
-              <a:rPr lang="en-US" dirty="0" err="1"/>
-              <a:t>metode</a:t>
-            </a:r>
-            <a:r>
-              <a:rPr lang="en-US" dirty="0"/>
-              <a:t> </a:t>
-            </a:r>
-            <a:r>
-              <a:rPr lang="en-US" dirty="0" err="1"/>
-              <a:t>pembayaran</a:t>
-            </a:r>
-            <a:r>
-              <a:rPr lang="en-US" dirty="0"/>
-              <a:t> yang </a:t>
-            </a:r>
-            <a:r>
-              <a:rPr lang="en-US" dirty="0" err="1"/>
-              <a:t>beragam</a:t>
-            </a:r>
-            <a:r>
-              <a:rPr lang="en-US" dirty="0"/>
-              <a:t>, </a:t>
-            </a:r>
-            <a:r>
-              <a:rPr lang="en-US" dirty="0" err="1"/>
-              <a:t>serta</a:t>
-            </a:r>
-            <a:r>
-              <a:rPr lang="en-US" dirty="0"/>
-              <a:t> proses </a:t>
-            </a:r>
-            <a:r>
-              <a:rPr lang="en-US" dirty="0" err="1"/>
-              <a:t>transaksi</a:t>
-            </a:r>
-            <a:r>
-              <a:rPr lang="en-US" dirty="0"/>
-              <a:t> yang </a:t>
-            </a:r>
-            <a:r>
-              <a:rPr lang="en-US" dirty="0" err="1"/>
-              <a:t>efisien</a:t>
-            </a:r>
-            <a:r>
-              <a:rPr lang="en-US" dirty="0"/>
-              <a:t>, Acil Store </a:t>
-            </a:r>
-            <a:r>
-              <a:rPr lang="en-US" dirty="0" err="1"/>
-              <a:t>diharapkan</a:t>
-            </a:r>
-            <a:r>
-              <a:rPr lang="en-US" dirty="0"/>
-              <a:t> </a:t>
-            </a:r>
-            <a:r>
-              <a:rPr lang="en-US" dirty="0" err="1"/>
-              <a:t>dapat</a:t>
-            </a:r>
-            <a:r>
-              <a:rPr lang="en-US" dirty="0"/>
-              <a:t> </a:t>
-            </a:r>
-            <a:r>
-              <a:rPr lang="en-US" dirty="0" err="1"/>
-              <a:t>menjadi</a:t>
-            </a:r>
-            <a:r>
-              <a:rPr lang="en-US" dirty="0"/>
-              <a:t> platform </a:t>
-            </a:r>
-            <a:r>
-              <a:rPr lang="en-US" dirty="0" err="1"/>
-              <a:t>lokal</a:t>
-            </a:r>
-            <a:r>
-              <a:rPr lang="en-US" dirty="0"/>
-              <a:t> yang </a:t>
-            </a:r>
-            <a:r>
-              <a:rPr lang="en-US" dirty="0" err="1"/>
-              <a:t>terpercaya</a:t>
-            </a:r>
-            <a:r>
-              <a:rPr lang="en-US" dirty="0"/>
-              <a:t> dan </a:t>
-            </a:r>
-            <a:r>
-              <a:rPr lang="en-US" dirty="0" err="1"/>
-              <a:t>mampu</a:t>
-            </a:r>
-            <a:r>
-              <a:rPr lang="en-US" dirty="0"/>
-              <a:t> </a:t>
-            </a:r>
-            <a:r>
-              <a:rPr lang="en-US" dirty="0" err="1"/>
-              <a:t>memenuhi</a:t>
-            </a:r>
-            <a:r>
-              <a:rPr lang="en-US" dirty="0"/>
-              <a:t> </a:t>
-            </a:r>
-            <a:r>
-              <a:rPr lang="en-US" dirty="0" err="1"/>
-              <a:t>kebutuhan</a:t>
-            </a:r>
-            <a:r>
-              <a:rPr lang="en-US" dirty="0"/>
-              <a:t> digital para </a:t>
-            </a:r>
-            <a:r>
-              <a:rPr lang="en-US" dirty="0" err="1"/>
-              <a:t>pengguna</a:t>
-            </a:r>
-            <a:r>
-              <a:rPr lang="en-US" dirty="0"/>
-              <a:t> di era modern </a:t>
-            </a:r>
-            <a:r>
-              <a:rPr lang="en-US" dirty="0" err="1"/>
-              <a:t>ini</a:t>
-            </a:r>
-            <a:r>
-              <a:rPr lang="en-US" dirty="0"/>
-              <a:t>.</a:t>
-            </a:r>
+            <a:r>
+              <a:rPr lang="en-US" dirty="0">
+                <a:solidFill>
+                  <a:schemeClr val="accent1">
+                    <a:lumMod val="75000"/>
+                  </a:schemeClr>
+                </a:solidFill>
+                <a:latin typeface="Eras Demi ITC" panose="020B0805030504020804" pitchFamily="34" charset="0"/>
+              </a:rPr>
+              <a:t>14. Menu </a:t>
+            </a:r>
+            <a:r>
+              <a:rPr lang="en-US" dirty="0" err="1">
+                <a:solidFill>
+                  <a:schemeClr val="accent1">
+                    <a:lumMod val="75000"/>
+                  </a:schemeClr>
+                </a:solidFill>
+                <a:latin typeface="Eras Demi ITC" panose="020B0805030504020804" pitchFamily="34" charset="0"/>
+              </a:rPr>
+              <a:t>Pembayaran</a:t>
+            </a:r>
+            <a:endParaRPr lang="en-US" dirty="0">
+              <a:solidFill>
+                <a:schemeClr val="accent1">
+                  <a:lumMod val="75000"/>
+                </a:schemeClr>
+              </a:solidFill>
+              <a:latin typeface="Eras Demi ITC" panose="020B0805030504020804" pitchFamily="34" charset="0"/>
+            </a:endParaRPr>
           </a:p>
         </p:txBody>
       </p:sp>
     </p:spTree>
     <p:extLst>
       <p:ext uri="{BB962C8B-B14F-4D97-AF65-F5344CB8AC3E}">
-        <p14:creationId xmlns:p14="http://schemas.microsoft.com/office/powerpoint/2010/main" val="209368910"/>
+        <p14:creationId xmlns:p14="http://schemas.microsoft.com/office/powerpoint/2010/main" val="3058072695"/>
       </p:ext>
     </p:extLst>
   </p:cSld>
@@ -9762,6 +9593,372 @@
 </file>
 
 <file path=ppt/slides/slide26.xml><?xml version="1.0" encoding="utf-8"?>
+<p:sld xmlns:a="http://schemas.openxmlformats.org/drawingml/2006/main" xmlns:r="http://schemas.openxmlformats.org/officeDocument/2006/relationships" xmlns:p="http://schemas.openxmlformats.org/presentationml/2006/main">
+  <p:cSld>
+    <p:spTree>
+      <p:nvGrpSpPr>
+        <p:cNvPr id="1" name="">
+          <a:extLst>
+            <a:ext uri="{FF2B5EF4-FFF2-40B4-BE49-F238E27FC236}">
+              <a16:creationId xmlns:a16="http://schemas.microsoft.com/office/drawing/2014/main" id="{D325CF81-AC44-3831-6235-94A10B03B301}"/>
+            </a:ext>
+          </a:extLst>
+        </p:cNvPr>
+        <p:cNvGrpSpPr/>
+        <p:nvPr/>
+      </p:nvGrpSpPr>
+      <p:grpSpPr>
+        <a:xfrm>
+          <a:off x="0" y="0"/>
+          <a:ext cx="0" cy="0"/>
+          <a:chOff x="0" y="0"/>
+          <a:chExt cx="0" cy="0"/>
+        </a:xfrm>
+      </p:grpSpPr>
+      <p:sp>
+        <p:nvSpPr>
+          <p:cNvPr id="2" name="Title 1">
+            <a:extLst>
+              <a:ext uri="{FF2B5EF4-FFF2-40B4-BE49-F238E27FC236}">
+                <a16:creationId xmlns:a16="http://schemas.microsoft.com/office/drawing/2014/main" id="{11A60CDD-C0BB-4855-0086-C2EF22D755AD}"/>
+              </a:ext>
+            </a:extLst>
+          </p:cNvPr>
+          <p:cNvSpPr>
+            <a:spLocks noGrp="1"/>
+          </p:cNvSpPr>
+          <p:nvPr>
+            <p:ph type="title"/>
+          </p:nvPr>
+        </p:nvSpPr>
+        <p:spPr/>
+        <p:txBody>
+          <a:bodyPr/>
+          <a:lstStyle/>
+          <a:p>
+            <a:r>
+              <a:rPr lang="en-US" dirty="0"/>
+              <a:t>Menu </a:t>
+            </a:r>
+            <a:r>
+              <a:rPr lang="en-US" dirty="0" err="1"/>
+              <a:t>pembayaran</a:t>
+            </a:r>
+            <a:br>
+              <a:rPr lang="en-US" dirty="0"/>
+            </a:br>
+            <a:br>
+              <a:rPr lang="en-US" dirty="0"/>
+            </a:br>
+            <a:r>
+              <a:rPr lang="en-US" sz="2400" dirty="0"/>
+              <a:t>Menu </a:t>
+            </a:r>
+            <a:r>
+              <a:rPr lang="en-US" sz="2400" dirty="0" err="1"/>
+              <a:t>pembayaran</a:t>
+            </a:r>
+            <a:r>
+              <a:rPr lang="en-US" sz="2400" dirty="0"/>
+              <a:t> </a:t>
+            </a:r>
+            <a:r>
+              <a:rPr lang="en-US" sz="2400" dirty="0" err="1"/>
+              <a:t>berisi</a:t>
+            </a:r>
+            <a:r>
+              <a:rPr lang="en-US" sz="2400" dirty="0"/>
+              <a:t> </a:t>
+            </a:r>
+            <a:r>
+              <a:rPr lang="en-US" sz="2400" dirty="0" err="1"/>
+              <a:t>pilihan</a:t>
+            </a:r>
+            <a:r>
+              <a:rPr lang="en-US" sz="2400" dirty="0"/>
+              <a:t> </a:t>
+            </a:r>
+            <a:r>
+              <a:rPr lang="en-US" sz="2400" dirty="0" err="1"/>
+              <a:t>untuk</a:t>
+            </a:r>
+            <a:r>
+              <a:rPr lang="en-US" sz="2400" dirty="0"/>
+              <a:t> user </a:t>
+            </a:r>
+            <a:r>
+              <a:rPr lang="en-US" sz="2400" dirty="0" err="1"/>
+              <a:t>memilih</a:t>
+            </a:r>
+            <a:r>
+              <a:rPr lang="en-US" sz="2400" dirty="0"/>
+              <a:t> e-wallet </a:t>
+            </a:r>
+            <a:r>
+              <a:rPr lang="en-US" sz="2400" dirty="0" err="1"/>
+              <a:t>untuk</a:t>
+            </a:r>
+            <a:r>
+              <a:rPr lang="en-US" sz="2400" dirty="0"/>
+              <a:t> </a:t>
+            </a:r>
+            <a:r>
+              <a:rPr lang="en-US" sz="2400" dirty="0" err="1"/>
+              <a:t>membayar</a:t>
+            </a:r>
+            <a:r>
+              <a:rPr lang="en-US" sz="2400" dirty="0"/>
+              <a:t> uc/diamond game</a:t>
+            </a:r>
+          </a:p>
+        </p:txBody>
+      </p:sp>
+    </p:spTree>
+    <p:extLst>
+      <p:ext uri="{BB962C8B-B14F-4D97-AF65-F5344CB8AC3E}">
+        <p14:creationId xmlns:p14="http://schemas.microsoft.com/office/powerpoint/2010/main" val="375694132"/>
+      </p:ext>
+    </p:extLst>
+  </p:cSld>
+  <p:clrMapOvr>
+    <a:masterClrMapping/>
+  </p:clrMapOvr>
+</p:sld>
+</file>
+
+<file path=ppt/slides/slide27.xml><?xml version="1.0" encoding="utf-8"?>
+<p:sld xmlns:a="http://schemas.openxmlformats.org/drawingml/2006/main" xmlns:r="http://schemas.openxmlformats.org/officeDocument/2006/relationships" xmlns:p="http://schemas.openxmlformats.org/presentationml/2006/main">
+  <p:cSld>
+    <p:spTree>
+      <p:nvGrpSpPr>
+        <p:cNvPr id="1" name="">
+          <a:extLst>
+            <a:ext uri="{FF2B5EF4-FFF2-40B4-BE49-F238E27FC236}">
+              <a16:creationId xmlns:a16="http://schemas.microsoft.com/office/drawing/2014/main" id="{A322472B-FA75-96E3-FF60-2E1B03CD3340}"/>
+            </a:ext>
+          </a:extLst>
+        </p:cNvPr>
+        <p:cNvGrpSpPr/>
+        <p:nvPr/>
+      </p:nvGrpSpPr>
+      <p:grpSpPr>
+        <a:xfrm>
+          <a:off x="0" y="0"/>
+          <a:ext cx="0" cy="0"/>
+          <a:chOff x="0" y="0"/>
+          <a:chExt cx="0" cy="0"/>
+        </a:xfrm>
+      </p:grpSpPr>
+      <p:pic>
+        <p:nvPicPr>
+          <p:cNvPr id="4" name="Picture 3">
+            <a:extLst>
+              <a:ext uri="{FF2B5EF4-FFF2-40B4-BE49-F238E27FC236}">
+                <a16:creationId xmlns:a16="http://schemas.microsoft.com/office/drawing/2014/main" id="{E7635F50-68AD-0001-3068-96181B5503A3}"/>
+              </a:ext>
+            </a:extLst>
+          </p:cNvPr>
+          <p:cNvPicPr>
+            <a:picLocks noChangeAspect="1"/>
+          </p:cNvPicPr>
+          <p:nvPr/>
+        </p:nvPicPr>
+        <p:blipFill>
+          <a:blip r:embed="rId2">
+            <a:extLst>
+              <a:ext uri="{28A0092B-C50C-407E-A947-70E740481C1C}">
+                <a14:useLocalDpi xmlns:a14="http://schemas.microsoft.com/office/drawing/2010/main" val="0"/>
+              </a:ext>
+            </a:extLst>
+          </a:blip>
+          <a:srcRect/>
+          <a:stretch/>
+        </p:blipFill>
+        <p:spPr>
+          <a:xfrm>
+            <a:off x="33820" y="226925"/>
+            <a:ext cx="12124359" cy="6404149"/>
+          </a:xfrm>
+          <a:prstGeom prst="rect">
+            <a:avLst/>
+          </a:prstGeom>
+        </p:spPr>
+      </p:pic>
+      <p:sp>
+        <p:nvSpPr>
+          <p:cNvPr id="2" name="Title 1">
+            <a:extLst>
+              <a:ext uri="{FF2B5EF4-FFF2-40B4-BE49-F238E27FC236}">
+                <a16:creationId xmlns:a16="http://schemas.microsoft.com/office/drawing/2014/main" id="{CF91AE02-F182-ABEC-430C-CECDE63462C1}"/>
+              </a:ext>
+            </a:extLst>
+          </p:cNvPr>
+          <p:cNvSpPr>
+            <a:spLocks noGrp="1"/>
+          </p:cNvSpPr>
+          <p:nvPr>
+            <p:ph type="title"/>
+          </p:nvPr>
+        </p:nvSpPr>
+        <p:spPr>
+          <a:xfrm>
+            <a:off x="652034" y="4038601"/>
+            <a:ext cx="8825660" cy="1653180"/>
+          </a:xfrm>
+        </p:spPr>
+        <p:txBody>
+          <a:bodyPr/>
+          <a:lstStyle/>
+          <a:p>
+            <a:r>
+              <a:rPr lang="en-US" dirty="0">
+                <a:solidFill>
+                  <a:schemeClr val="accent1">
+                    <a:lumMod val="75000"/>
+                  </a:schemeClr>
+                </a:solidFill>
+                <a:latin typeface="Eras Demi ITC" panose="020B0805030504020804" pitchFamily="34" charset="0"/>
+              </a:rPr>
+              <a:t>15. E-wallet </a:t>
+            </a:r>
+            <a:r>
+              <a:rPr lang="en-US" dirty="0" err="1">
+                <a:solidFill>
+                  <a:schemeClr val="accent1">
+                    <a:lumMod val="75000"/>
+                  </a:schemeClr>
+                </a:solidFill>
+                <a:latin typeface="Eras Demi ITC" panose="020B0805030504020804" pitchFamily="34" charset="0"/>
+              </a:rPr>
+              <a:t>pembayaran</a:t>
+            </a:r>
+            <a:r>
+              <a:rPr lang="en-US" dirty="0">
+                <a:solidFill>
+                  <a:schemeClr val="accent1">
+                    <a:lumMod val="75000"/>
+                  </a:schemeClr>
+                </a:solidFill>
+                <a:latin typeface="Eras Demi ITC" panose="020B0805030504020804" pitchFamily="34" charset="0"/>
+              </a:rPr>
+              <a:t>(GOPAY)</a:t>
+            </a:r>
+          </a:p>
+        </p:txBody>
+      </p:sp>
+    </p:spTree>
+    <p:extLst>
+      <p:ext uri="{BB962C8B-B14F-4D97-AF65-F5344CB8AC3E}">
+        <p14:creationId xmlns:p14="http://schemas.microsoft.com/office/powerpoint/2010/main" val="4183380615"/>
+      </p:ext>
+    </p:extLst>
+  </p:cSld>
+  <p:clrMapOvr>
+    <a:masterClrMapping/>
+  </p:clrMapOvr>
+</p:sld>
+</file>
+
+<file path=ppt/slides/slide28.xml><?xml version="1.0" encoding="utf-8"?>
+<p:sld xmlns:a="http://schemas.openxmlformats.org/drawingml/2006/main" xmlns:r="http://schemas.openxmlformats.org/officeDocument/2006/relationships" xmlns:p="http://schemas.openxmlformats.org/presentationml/2006/main">
+  <p:cSld>
+    <p:spTree>
+      <p:nvGrpSpPr>
+        <p:cNvPr id="1" name="">
+          <a:extLst>
+            <a:ext uri="{FF2B5EF4-FFF2-40B4-BE49-F238E27FC236}">
+              <a16:creationId xmlns:a16="http://schemas.microsoft.com/office/drawing/2014/main" id="{02FB1FCD-3DAC-0CCE-0E31-BA4D5A53BF17}"/>
+            </a:ext>
+          </a:extLst>
+        </p:cNvPr>
+        <p:cNvGrpSpPr/>
+        <p:nvPr/>
+      </p:nvGrpSpPr>
+      <p:grpSpPr>
+        <a:xfrm>
+          <a:off x="0" y="0"/>
+          <a:ext cx="0" cy="0"/>
+          <a:chOff x="0" y="0"/>
+          <a:chExt cx="0" cy="0"/>
+        </a:xfrm>
+      </p:grpSpPr>
+      <p:sp>
+        <p:nvSpPr>
+          <p:cNvPr id="2" name="Title 1">
+            <a:extLst>
+              <a:ext uri="{FF2B5EF4-FFF2-40B4-BE49-F238E27FC236}">
+                <a16:creationId xmlns:a16="http://schemas.microsoft.com/office/drawing/2014/main" id="{01579362-4172-1382-9184-6715897EF74F}"/>
+              </a:ext>
+            </a:extLst>
+          </p:cNvPr>
+          <p:cNvSpPr>
+            <a:spLocks noGrp="1"/>
+          </p:cNvSpPr>
+          <p:nvPr>
+            <p:ph type="title"/>
+          </p:nvPr>
+        </p:nvSpPr>
+        <p:spPr/>
+        <p:txBody>
+          <a:bodyPr/>
+          <a:lstStyle/>
+          <a:p>
+            <a:r>
+              <a:rPr lang="en-US" dirty="0"/>
+              <a:t>Gopay.html</a:t>
+            </a:r>
+            <a:br>
+              <a:rPr lang="en-US" dirty="0"/>
+            </a:br>
+            <a:br>
+              <a:rPr lang="en-US" dirty="0"/>
+            </a:br>
+            <a:r>
+              <a:rPr lang="en-US" sz="2800" dirty="0" err="1"/>
+              <a:t>Berfungsi</a:t>
+            </a:r>
+            <a:r>
+              <a:rPr lang="en-US" sz="2800" dirty="0"/>
+              <a:t> </a:t>
+            </a:r>
+            <a:r>
+              <a:rPr lang="en-US" sz="2800" dirty="0" err="1"/>
+              <a:t>untuk</a:t>
+            </a:r>
+            <a:r>
+              <a:rPr lang="en-US" sz="2800" dirty="0"/>
+              <a:t> user yang </a:t>
+            </a:r>
+            <a:r>
+              <a:rPr lang="en-US" sz="2800" dirty="0" err="1"/>
+              <a:t>menggunakan</a:t>
+            </a:r>
+            <a:r>
+              <a:rPr lang="en-US" sz="2800" dirty="0"/>
+              <a:t> </a:t>
+            </a:r>
+            <a:r>
+              <a:rPr lang="en-US" sz="2800" dirty="0" err="1"/>
+              <a:t>gopay</a:t>
+            </a:r>
+            <a:endParaRPr lang="en-US" sz="2800" dirty="0"/>
+          </a:p>
+        </p:txBody>
+      </p:sp>
+    </p:spTree>
+    <p:extLst>
+      <p:ext uri="{BB962C8B-B14F-4D97-AF65-F5344CB8AC3E}">
+        <p14:creationId xmlns:p14="http://schemas.microsoft.com/office/powerpoint/2010/main" val="1532859165"/>
+      </p:ext>
+    </p:extLst>
+  </p:cSld>
+  <p:clrMapOvr>
+    <a:masterClrMapping/>
+  </p:clrMapOvr>
+</p:sld>
+</file>
+
+<file path=ppt/slides/slide29.xml><?xml version="1.0" encoding="utf-8"?>
 <p:sld xmlns:a="http://schemas.openxmlformats.org/drawingml/2006/main" xmlns:r="http://schemas.openxmlformats.org/officeDocument/2006/relationships" xmlns:p="http://schemas.openxmlformats.org/presentationml/2006/main">
   <p:cSld>
     <p:spTree>
@@ -9783,7 +9980,7 @@
           <p:cNvPr id="2" name="Title 1">
             <a:extLst>
               <a:ext uri="{FF2B5EF4-FFF2-40B4-BE49-F238E27FC236}">
-                <a16:creationId xmlns:a16="http://schemas.microsoft.com/office/drawing/2014/main" id="{A8CA1EE6-1E06-FC0C-8D0A-3949F54E4F43}"/>
+                <a16:creationId xmlns:a16="http://schemas.microsoft.com/office/drawing/2014/main" id="{8AE11A24-884B-41C9-AE6A-EDE04EDF1D83}"/>
               </a:ext>
             </a:extLst>
           </p:cNvPr>
@@ -9799,20 +9996,20 @@
           <a:bodyPr/>
           <a:lstStyle/>
           <a:p>
-            <a:r>
-              <a:rPr lang="en-US" dirty="0" err="1"/>
-              <a:t>Penutup</a:t>
-            </a:r>
-            <a:endParaRPr lang="en-US" dirty="0"/>
-          </a:p>
-        </p:txBody>
-      </p:sp>
-      <p:sp>
-        <p:nvSpPr>
-          <p:cNvPr id="3" name="Text Placeholder 2">
+            <a:pPr algn="ctr"/>
+            <a:r>
+              <a:rPr lang="en-US" dirty="0"/>
+              <a:t>Kesimpulan</a:t>
+            </a:r>
+          </a:p>
+        </p:txBody>
+      </p:sp>
+      <p:sp>
+        <p:nvSpPr>
+          <p:cNvPr id="3" name="Content Placeholder 2">
             <a:extLst>
               <a:ext uri="{FF2B5EF4-FFF2-40B4-BE49-F238E27FC236}">
-                <a16:creationId xmlns:a16="http://schemas.microsoft.com/office/drawing/2014/main" id="{81AA47CF-90F5-C383-1487-246267F0D812}"/>
+                <a16:creationId xmlns:a16="http://schemas.microsoft.com/office/drawing/2014/main" id="{8FC3550B-C92F-1EDF-B035-8F06EBF74418}"/>
               </a:ext>
             </a:extLst>
           </p:cNvPr>
@@ -9820,7 +10017,7 @@
             <a:spLocks noGrp="1"/>
           </p:cNvSpPr>
           <p:nvPr>
-            <p:ph type="body" idx="1"/>
+            <p:ph idx="1"/>
           </p:nvPr>
         </p:nvSpPr>
         <p:spPr/>
@@ -9829,44 +10026,248 @@
           <a:lstStyle/>
           <a:p>
             <a:r>
-              <a:rPr lang="en-US" dirty="0" err="1"/>
-              <a:t>Sekian</a:t>
-            </a:r>
-            <a:r>
-              <a:rPr lang="en-US" dirty="0"/>
-              <a:t> </a:t>
-            </a:r>
-            <a:r>
-              <a:rPr lang="en-US" dirty="0" err="1"/>
-              <a:t>dari</a:t>
-            </a:r>
-            <a:r>
-              <a:rPr lang="en-US" dirty="0"/>
-              <a:t> kami </a:t>
-            </a:r>
-            <a:r>
-              <a:rPr lang="en-US" dirty="0" err="1"/>
-              <a:t>maaf</a:t>
-            </a:r>
-            <a:r>
-              <a:rPr lang="en-US" dirty="0"/>
-              <a:t> </a:t>
-            </a:r>
-            <a:r>
-              <a:rPr lang="en-US" dirty="0" err="1"/>
-              <a:t>bila</a:t>
-            </a:r>
-            <a:r>
-              <a:rPr lang="en-US" dirty="0"/>
-              <a:t> </a:t>
-            </a:r>
-            <a:r>
-              <a:rPr lang="en-US" dirty="0" err="1"/>
-              <a:t>ada</a:t>
-            </a:r>
-            <a:r>
-              <a:rPr lang="en-US" dirty="0"/>
-              <a:t> salah</a:t>
+              <a:rPr lang="en-US" dirty="0"/>
+              <a:t>Acil Store </a:t>
+            </a:r>
+            <a:r>
+              <a:rPr lang="en-US" dirty="0" err="1"/>
+              <a:t>hadir</a:t>
+            </a:r>
+            <a:r>
+              <a:rPr lang="en-US" dirty="0"/>
+              <a:t> </a:t>
+            </a:r>
+            <a:r>
+              <a:rPr lang="en-US" dirty="0" err="1"/>
+              <a:t>sebagai</a:t>
+            </a:r>
+            <a:r>
+              <a:rPr lang="en-US" dirty="0"/>
+              <a:t> </a:t>
+            </a:r>
+            <a:r>
+              <a:rPr lang="en-US" dirty="0" err="1"/>
+              <a:t>solusi</a:t>
+            </a:r>
+            <a:r>
+              <a:rPr lang="en-US" dirty="0"/>
+              <a:t> </a:t>
+            </a:r>
+            <a:r>
+              <a:rPr lang="en-US" dirty="0" err="1"/>
+              <a:t>praktis</a:t>
+            </a:r>
+            <a:r>
+              <a:rPr lang="en-US" dirty="0"/>
+              <a:t> </a:t>
+            </a:r>
+            <a:r>
+              <a:rPr lang="en-US" dirty="0" err="1"/>
+              <a:t>bagi</a:t>
+            </a:r>
+            <a:r>
+              <a:rPr lang="en-US" dirty="0"/>
+              <a:t> para gamer yang </a:t>
+            </a:r>
+            <a:r>
+              <a:rPr lang="en-US" dirty="0" err="1"/>
+              <a:t>ingin</a:t>
+            </a:r>
+            <a:r>
+              <a:rPr lang="en-US" dirty="0"/>
+              <a:t> </a:t>
+            </a:r>
+            <a:r>
+              <a:rPr lang="en-US" dirty="0" err="1"/>
+              <a:t>melakukan</a:t>
+            </a:r>
+            <a:r>
+              <a:rPr lang="en-US" dirty="0"/>
+              <a:t> top up </a:t>
+            </a:r>
+            <a:r>
+              <a:rPr lang="en-US" dirty="0" err="1"/>
+              <a:t>dengan</a:t>
+            </a:r>
+            <a:r>
+              <a:rPr lang="en-US" dirty="0"/>
+              <a:t> </a:t>
+            </a:r>
+            <a:r>
+              <a:rPr lang="en-US" dirty="0" err="1"/>
+              <a:t>cepat</a:t>
+            </a:r>
+            <a:r>
+              <a:rPr lang="en-US" dirty="0"/>
+              <a:t>, </a:t>
+            </a:r>
+            <a:r>
+              <a:rPr lang="en-US" dirty="0" err="1"/>
+              <a:t>aman</a:t>
+            </a:r>
+            <a:r>
+              <a:rPr lang="en-US" dirty="0"/>
+              <a:t>, dan </a:t>
+            </a:r>
+            <a:r>
+              <a:rPr lang="en-US" dirty="0" err="1"/>
+              <a:t>mudah</a:t>
+            </a:r>
+            <a:r>
+              <a:rPr lang="en-US" dirty="0"/>
+              <a:t>. </a:t>
+            </a:r>
+            <a:r>
+              <a:rPr lang="en-US" dirty="0" err="1"/>
+              <a:t>Dengan</a:t>
+            </a:r>
+            <a:r>
+              <a:rPr lang="en-US" dirty="0"/>
+              <a:t> </a:t>
+            </a:r>
+            <a:r>
+              <a:rPr lang="en-US" dirty="0" err="1"/>
+              <a:t>tampilan</a:t>
+            </a:r>
+            <a:r>
+              <a:rPr lang="en-US" dirty="0"/>
+              <a:t> yang user-friendly, </a:t>
+            </a:r>
+            <a:r>
+              <a:rPr lang="en-US" dirty="0" err="1"/>
+              <a:t>pilihan</a:t>
+            </a:r>
+            <a:r>
+              <a:rPr lang="en-US" dirty="0"/>
+              <a:t> </a:t>
+            </a:r>
+            <a:r>
+              <a:rPr lang="en-US" dirty="0" err="1"/>
+              <a:t>metode</a:t>
+            </a:r>
+            <a:r>
+              <a:rPr lang="en-US" dirty="0"/>
+              <a:t> </a:t>
+            </a:r>
+            <a:r>
+              <a:rPr lang="en-US" dirty="0" err="1"/>
+              <a:t>pembayaran</a:t>
+            </a:r>
+            <a:r>
+              <a:rPr lang="en-US" dirty="0"/>
+              <a:t> yang </a:t>
+            </a:r>
+            <a:r>
+              <a:rPr lang="en-US" dirty="0" err="1"/>
+              <a:t>beragam</a:t>
+            </a:r>
+            <a:r>
+              <a:rPr lang="en-US" dirty="0"/>
+              <a:t>, </a:t>
+            </a:r>
+            <a:r>
+              <a:rPr lang="en-US" dirty="0" err="1"/>
+              <a:t>serta</a:t>
+            </a:r>
+            <a:r>
+              <a:rPr lang="en-US" dirty="0"/>
+              <a:t> proses </a:t>
+            </a:r>
+            <a:r>
+              <a:rPr lang="en-US" dirty="0" err="1"/>
+              <a:t>transaksi</a:t>
+            </a:r>
+            <a:r>
+              <a:rPr lang="en-US" dirty="0"/>
+              <a:t> yang </a:t>
+            </a:r>
+            <a:r>
+              <a:rPr lang="en-US" dirty="0" err="1"/>
+              <a:t>efisien</a:t>
+            </a:r>
+            <a:r>
+              <a:rPr lang="en-US" dirty="0"/>
+              <a:t>, Acil Store </a:t>
+            </a:r>
+            <a:r>
+              <a:rPr lang="en-US" dirty="0" err="1"/>
+              <a:t>diharapkan</a:t>
+            </a:r>
+            <a:r>
+              <a:rPr lang="en-US" dirty="0"/>
+              <a:t> </a:t>
+            </a:r>
+            <a:r>
+              <a:rPr lang="en-US" dirty="0" err="1"/>
+              <a:t>dapat</a:t>
+            </a:r>
+            <a:r>
+              <a:rPr lang="en-US" dirty="0"/>
+              <a:t> </a:t>
+            </a:r>
+            <a:r>
+              <a:rPr lang="en-US" dirty="0" err="1"/>
+              <a:t>menjadi</a:t>
+            </a:r>
+            <a:r>
+              <a:rPr lang="en-US" dirty="0"/>
+              <a:t> platform </a:t>
+            </a:r>
+            <a:r>
+              <a:rPr lang="en-US" dirty="0" err="1"/>
+              <a:t>lokal</a:t>
+            </a:r>
+            <a:r>
+              <a:rPr lang="en-US" dirty="0"/>
+              <a:t> yang </a:t>
+            </a:r>
+            <a:r>
+              <a:rPr lang="en-US" dirty="0" err="1"/>
+              <a:t>terpercaya</a:t>
+            </a:r>
+            <a:r>
+              <a:rPr lang="en-US" dirty="0"/>
+              <a:t> dan </a:t>
+            </a:r>
+            <a:r>
+              <a:rPr lang="en-US" dirty="0" err="1"/>
+              <a:t>mampu</a:t>
+            </a:r>
+            <a:r>
+              <a:rPr lang="en-US" dirty="0"/>
+              <a:t> </a:t>
+            </a:r>
+            <a:r>
+              <a:rPr lang="en-US" dirty="0" err="1"/>
+              <a:t>memenuhi</a:t>
+            </a:r>
+            <a:r>
+              <a:rPr lang="en-US" dirty="0"/>
+              <a:t> </a:t>
+            </a:r>
+            <a:r>
+              <a:rPr lang="en-US" dirty="0" err="1"/>
+              <a:t>kebutuhan</a:t>
+            </a:r>
+            <a:r>
+              <a:rPr lang="en-US" dirty="0"/>
+              <a:t> digital para </a:t>
+            </a:r>
+            <a:r>
+              <a:rPr lang="en-US" dirty="0" err="1"/>
+              <a:t>pengguna</a:t>
+            </a:r>
+            <a:r>
+              <a:rPr lang="en-US" dirty="0"/>
+              <a:t> di era modern </a:t>
+            </a:r>
+            <a:r>
+              <a:rPr lang="en-US" dirty="0" err="1"/>
+              <a:t>ini</a:t>
+            </a:r>
+            <a:r>
+              <a:rPr lang="en-US" dirty="0"/>
+              <a:t>.</a:t>
             </a:r>
           </a:p>
         </p:txBody>
@@ -9874,7 +10275,7 @@
     </p:spTree>
     <p:extLst>
       <p:ext uri="{BB962C8B-B14F-4D97-AF65-F5344CB8AC3E}">
-        <p14:creationId xmlns:p14="http://schemas.microsoft.com/office/powerpoint/2010/main" val="1410451878"/>
+        <p14:creationId xmlns:p14="http://schemas.microsoft.com/office/powerpoint/2010/main" val="209368910"/>
       </p:ext>
     </p:extLst>
   </p:cSld>
@@ -10201,6 +10602,129 @@
     <p:extLst>
       <p:ext uri="{BB962C8B-B14F-4D97-AF65-F5344CB8AC3E}">
         <p14:creationId xmlns:p14="http://schemas.microsoft.com/office/powerpoint/2010/main" val="2495076482"/>
+      </p:ext>
+    </p:extLst>
+  </p:cSld>
+  <p:clrMapOvr>
+    <a:masterClrMapping/>
+  </p:clrMapOvr>
+</p:sld>
+</file>
+
+<file path=ppt/slides/slide30.xml><?xml version="1.0" encoding="utf-8"?>
+<p:sld xmlns:a="http://schemas.openxmlformats.org/drawingml/2006/main" xmlns:r="http://schemas.openxmlformats.org/officeDocument/2006/relationships" xmlns:p="http://schemas.openxmlformats.org/presentationml/2006/main">
+  <p:cSld>
+    <p:spTree>
+      <p:nvGrpSpPr>
+        <p:cNvPr id="1" name=""/>
+        <p:cNvGrpSpPr/>
+        <p:nvPr/>
+      </p:nvGrpSpPr>
+      <p:grpSpPr>
+        <a:xfrm>
+          <a:off x="0" y="0"/>
+          <a:ext cx="0" cy="0"/>
+          <a:chOff x="0" y="0"/>
+          <a:chExt cx="0" cy="0"/>
+        </a:xfrm>
+      </p:grpSpPr>
+      <p:sp>
+        <p:nvSpPr>
+          <p:cNvPr id="2" name="Title 1">
+            <a:extLst>
+              <a:ext uri="{FF2B5EF4-FFF2-40B4-BE49-F238E27FC236}">
+                <a16:creationId xmlns:a16="http://schemas.microsoft.com/office/drawing/2014/main" id="{A8CA1EE6-1E06-FC0C-8D0A-3949F54E4F43}"/>
+              </a:ext>
+            </a:extLst>
+          </p:cNvPr>
+          <p:cNvSpPr>
+            <a:spLocks noGrp="1"/>
+          </p:cNvSpPr>
+          <p:nvPr>
+            <p:ph type="title"/>
+          </p:nvPr>
+        </p:nvSpPr>
+        <p:spPr/>
+        <p:txBody>
+          <a:bodyPr/>
+          <a:lstStyle/>
+          <a:p>
+            <a:r>
+              <a:rPr lang="en-US" dirty="0" err="1"/>
+              <a:t>Penutup</a:t>
+            </a:r>
+            <a:endParaRPr lang="en-US" dirty="0"/>
+          </a:p>
+        </p:txBody>
+      </p:sp>
+      <p:sp>
+        <p:nvSpPr>
+          <p:cNvPr id="3" name="Text Placeholder 2">
+            <a:extLst>
+              <a:ext uri="{FF2B5EF4-FFF2-40B4-BE49-F238E27FC236}">
+                <a16:creationId xmlns:a16="http://schemas.microsoft.com/office/drawing/2014/main" id="{81AA47CF-90F5-C383-1487-246267F0D812}"/>
+              </a:ext>
+            </a:extLst>
+          </p:cNvPr>
+          <p:cNvSpPr>
+            <a:spLocks noGrp="1"/>
+          </p:cNvSpPr>
+          <p:nvPr>
+            <p:ph type="body" idx="1"/>
+          </p:nvPr>
+        </p:nvSpPr>
+        <p:spPr/>
+        <p:txBody>
+          <a:bodyPr/>
+          <a:lstStyle/>
+          <a:p>
+            <a:r>
+              <a:rPr lang="en-US" dirty="0" err="1"/>
+              <a:t>Sekian</a:t>
+            </a:r>
+            <a:r>
+              <a:rPr lang="en-US" dirty="0"/>
+              <a:t> </a:t>
+            </a:r>
+            <a:r>
+              <a:rPr lang="en-US" dirty="0" err="1"/>
+              <a:t>dari</a:t>
+            </a:r>
+            <a:r>
+              <a:rPr lang="en-US" dirty="0"/>
+              <a:t> kami </a:t>
+            </a:r>
+            <a:r>
+              <a:rPr lang="en-US" dirty="0" err="1"/>
+              <a:t>maaf</a:t>
+            </a:r>
+            <a:r>
+              <a:rPr lang="en-US" dirty="0"/>
+              <a:t> </a:t>
+            </a:r>
+            <a:r>
+              <a:rPr lang="en-US" dirty="0" err="1"/>
+              <a:t>bila</a:t>
+            </a:r>
+            <a:r>
+              <a:rPr lang="en-US" dirty="0"/>
+              <a:t> </a:t>
+            </a:r>
+            <a:r>
+              <a:rPr lang="en-US" dirty="0" err="1"/>
+              <a:t>ada</a:t>
+            </a:r>
+            <a:r>
+              <a:rPr lang="en-US" dirty="0"/>
+              <a:t> salah</a:t>
+            </a:r>
+          </a:p>
+        </p:txBody>
+      </p:sp>
+    </p:spTree>
+    <p:extLst>
+      <p:ext uri="{BB962C8B-B14F-4D97-AF65-F5344CB8AC3E}">
+        <p14:creationId xmlns:p14="http://schemas.microsoft.com/office/powerpoint/2010/main" val="1410451878"/>
       </p:ext>
     </p:extLst>
   </p:cSld>
@@ -10530,14 +11054,13 @@
               </a:ext>
             </a:extLst>
           </a:blip>
-          <a:stretch>
-            <a:fillRect/>
-          </a:stretch>
+          <a:srcRect/>
+          <a:stretch/>
         </p:blipFill>
         <p:spPr>
           <a:xfrm>
-            <a:off x="0" y="0"/>
-            <a:ext cx="12192000" cy="7208519"/>
+            <a:off x="0" y="187820"/>
+            <a:ext cx="12192000" cy="6832878"/>
           </a:xfrm>
           <a:prstGeom prst="rect">
             <a:avLst/>
@@ -10814,14 +11337,13 @@
               </a:ext>
             </a:extLst>
           </a:blip>
-          <a:stretch>
-            <a:fillRect/>
-          </a:stretch>
+          <a:srcRect b="5161"/>
+          <a:stretch/>
         </p:blipFill>
         <p:spPr>
           <a:xfrm>
-            <a:off x="0" y="0"/>
-            <a:ext cx="12192000" cy="6858000"/>
+            <a:off x="0" y="3629"/>
+            <a:ext cx="12192000" cy="6497184"/>
           </a:xfrm>
           <a:prstGeom prst="rect">
             <a:avLst/>
@@ -11066,8 +11588,8 @@
         </p:blipFill>
         <p:spPr>
           <a:xfrm>
-            <a:off x="0" y="0"/>
-            <a:ext cx="12192000" cy="6858000"/>
+            <a:off x="0" y="3629"/>
+            <a:ext cx="12192000" cy="6850742"/>
           </a:xfrm>
           <a:prstGeom prst="rect">
             <a:avLst/>

--- a/laporan ppt/Kelompok 3.pptx
+++ b/laporan ppt/Kelompok 3.pptx
@@ -327,7 +327,7 @@
           <a:p>
             <a:fld id="{3285FFC9-952C-4205-B8F7-7084C41BF0C0}" type="datetimeFigureOut">
               <a:rPr lang="en-US" smtClean="0"/>
-              <a:t>5/21/2025</a:t>
+              <a:t>5/29/2025</a:t>
             </a:fld>
             <a:endParaRPr lang="en-US"/>
           </a:p>
@@ -602,7 +602,7 @@
           <a:p>
             <a:fld id="{3285FFC9-952C-4205-B8F7-7084C41BF0C0}" type="datetimeFigureOut">
               <a:rPr lang="en-US" smtClean="0"/>
-              <a:t>5/21/2025</a:t>
+              <a:t>5/29/2025</a:t>
             </a:fld>
             <a:endParaRPr lang="en-US"/>
           </a:p>
@@ -796,7 +796,7 @@
           <a:p>
             <a:fld id="{3285FFC9-952C-4205-B8F7-7084C41BF0C0}" type="datetimeFigureOut">
               <a:rPr lang="en-US" smtClean="0"/>
-              <a:t>5/21/2025</a:t>
+              <a:t>5/29/2025</a:t>
             </a:fld>
             <a:endParaRPr lang="en-US"/>
           </a:p>
@@ -1069,7 +1069,7 @@
           <a:p>
             <a:fld id="{3285FFC9-952C-4205-B8F7-7084C41BF0C0}" type="datetimeFigureOut">
               <a:rPr lang="en-US" smtClean="0"/>
-              <a:t>5/21/2025</a:t>
+              <a:t>5/29/2025</a:t>
             </a:fld>
             <a:endParaRPr lang="en-US"/>
           </a:p>
@@ -1410,7 +1410,7 @@
           <a:p>
             <a:fld id="{3285FFC9-952C-4205-B8F7-7084C41BF0C0}" type="datetimeFigureOut">
               <a:rPr lang="en-US" smtClean="0"/>
-              <a:t>5/21/2025</a:t>
+              <a:t>5/29/2025</a:t>
             </a:fld>
             <a:endParaRPr lang="en-US"/>
           </a:p>
@@ -2033,7 +2033,7 @@
           <a:p>
             <a:fld id="{3285FFC9-952C-4205-B8F7-7084C41BF0C0}" type="datetimeFigureOut">
               <a:rPr lang="en-US" smtClean="0"/>
-              <a:t>5/21/2025</a:t>
+              <a:t>5/29/2025</a:t>
             </a:fld>
             <a:endParaRPr lang="en-US"/>
           </a:p>
@@ -2893,7 +2893,7 @@
           <a:p>
             <a:fld id="{3285FFC9-952C-4205-B8F7-7084C41BF0C0}" type="datetimeFigureOut">
               <a:rPr lang="en-US" smtClean="0"/>
-              <a:t>5/21/2025</a:t>
+              <a:t>5/29/2025</a:t>
             </a:fld>
             <a:endParaRPr lang="en-US"/>
           </a:p>
@@ -3063,7 +3063,7 @@
           <a:p>
             <a:fld id="{3285FFC9-952C-4205-B8F7-7084C41BF0C0}" type="datetimeFigureOut">
               <a:rPr lang="en-US" smtClean="0"/>
-              <a:t>5/21/2025</a:t>
+              <a:t>5/29/2025</a:t>
             </a:fld>
             <a:endParaRPr lang="en-US"/>
           </a:p>
@@ -3243,7 +3243,7 @@
           <a:p>
             <a:fld id="{3285FFC9-952C-4205-B8F7-7084C41BF0C0}" type="datetimeFigureOut">
               <a:rPr lang="en-US" smtClean="0"/>
-              <a:t>5/21/2025</a:t>
+              <a:t>5/29/2025</a:t>
             </a:fld>
             <a:endParaRPr lang="en-US"/>
           </a:p>
@@ -3413,7 +3413,7 @@
           <a:p>
             <a:fld id="{3285FFC9-952C-4205-B8F7-7084C41BF0C0}" type="datetimeFigureOut">
               <a:rPr lang="en-US" smtClean="0"/>
-              <a:t>5/21/2025</a:t>
+              <a:t>5/29/2025</a:t>
             </a:fld>
             <a:endParaRPr lang="en-US"/>
           </a:p>
@@ -3660,7 +3660,7 @@
           <a:p>
             <a:fld id="{3285FFC9-952C-4205-B8F7-7084C41BF0C0}" type="datetimeFigureOut">
               <a:rPr lang="en-US" smtClean="0"/>
-              <a:t>5/21/2025</a:t>
+              <a:t>5/29/2025</a:t>
             </a:fld>
             <a:endParaRPr lang="en-US"/>
           </a:p>
@@ -3952,7 +3952,7 @@
           <a:p>
             <a:fld id="{3285FFC9-952C-4205-B8F7-7084C41BF0C0}" type="datetimeFigureOut">
               <a:rPr lang="en-US" smtClean="0"/>
-              <a:t>5/21/2025</a:t>
+              <a:t>5/29/2025</a:t>
             </a:fld>
             <a:endParaRPr lang="en-US"/>
           </a:p>
@@ -4396,7 +4396,7 @@
           <a:p>
             <a:fld id="{3285FFC9-952C-4205-B8F7-7084C41BF0C0}" type="datetimeFigureOut">
               <a:rPr lang="en-US" smtClean="0"/>
-              <a:t>5/21/2025</a:t>
+              <a:t>5/29/2025</a:t>
             </a:fld>
             <a:endParaRPr lang="en-US"/>
           </a:p>
@@ -4514,7 +4514,7 @@
           <a:p>
             <a:fld id="{3285FFC9-952C-4205-B8F7-7084C41BF0C0}" type="datetimeFigureOut">
               <a:rPr lang="en-US" smtClean="0"/>
-              <a:t>5/21/2025</a:t>
+              <a:t>5/29/2025</a:t>
             </a:fld>
             <a:endParaRPr lang="en-US"/>
           </a:p>
@@ -4609,7 +4609,7 @@
           <a:p>
             <a:fld id="{3285FFC9-952C-4205-B8F7-7084C41BF0C0}" type="datetimeFigureOut">
               <a:rPr lang="en-US" smtClean="0"/>
-              <a:t>5/21/2025</a:t>
+              <a:t>5/29/2025</a:t>
             </a:fld>
             <a:endParaRPr lang="en-US"/>
           </a:p>
@@ -4888,7 +4888,7 @@
           <a:p>
             <a:fld id="{3285FFC9-952C-4205-B8F7-7084C41BF0C0}" type="datetimeFigureOut">
               <a:rPr lang="en-US" smtClean="0"/>
-              <a:t>5/21/2025</a:t>
+              <a:t>5/29/2025</a:t>
             </a:fld>
             <a:endParaRPr lang="en-US"/>
           </a:p>
@@ -5163,7 +5163,7 @@
           <a:p>
             <a:fld id="{3285FFC9-952C-4205-B8F7-7084C41BF0C0}" type="datetimeFigureOut">
               <a:rPr lang="en-US" smtClean="0"/>
-              <a:t>5/21/2025</a:t>
+              <a:t>5/29/2025</a:t>
             </a:fld>
             <a:endParaRPr lang="en-US"/>
           </a:p>
@@ -5592,7 +5592,7 @@
           <a:p>
             <a:fld id="{3285FFC9-952C-4205-B8F7-7084C41BF0C0}" type="datetimeFigureOut">
               <a:rPr lang="en-US" smtClean="0"/>
-              <a:t>5/21/2025</a:t>
+              <a:t>5/29/2025</a:t>
             </a:fld>
             <a:endParaRPr lang="en-US"/>
           </a:p>
@@ -9512,8 +9512,8 @@
         </p:blipFill>
         <p:spPr>
           <a:xfrm>
-            <a:off x="0" y="226925"/>
-            <a:ext cx="12192000" cy="6404149"/>
+            <a:off x="0" y="235857"/>
+            <a:ext cx="12192000" cy="6386285"/>
           </a:xfrm>
           <a:prstGeom prst="rect">
             <a:avLst/>
@@ -9776,8 +9776,8 @@
         </p:blipFill>
         <p:spPr>
           <a:xfrm>
-            <a:off x="33820" y="226925"/>
-            <a:ext cx="12124359" cy="6404149"/>
+            <a:off x="33820" y="262454"/>
+            <a:ext cx="12124359" cy="6333090"/>
           </a:xfrm>
           <a:prstGeom prst="rect">
             <a:avLst/>
@@ -9841,8 +9841,27 @@
                 </a:solidFill>
                 <a:latin typeface="Eras Demi ITC" panose="020B0805030504020804" pitchFamily="34" charset="0"/>
               </a:rPr>
-              <a:t>(GOPAY)</a:t>
-            </a:r>
+              <a:t> </a:t>
+            </a:r>
+            <a:r>
+              <a:rPr lang="en-US" dirty="0" err="1">
+                <a:solidFill>
+                  <a:schemeClr val="accent1">
+                    <a:lumMod val="75000"/>
+                  </a:schemeClr>
+                </a:solidFill>
+                <a:latin typeface="Eras Demi ITC" panose="020B0805030504020804" pitchFamily="34" charset="0"/>
+              </a:rPr>
+              <a:t>berhasil</a:t>
+            </a:r>
+            <a:endParaRPr lang="en-US" dirty="0">
+              <a:solidFill>
+                <a:schemeClr val="accent1">
+                  <a:lumMod val="75000"/>
+                </a:schemeClr>
+              </a:solidFill>
+              <a:latin typeface="Eras Demi ITC" panose="020B0805030504020804" pitchFamily="34" charset="0"/>
+            </a:endParaRPr>
           </a:p>
         </p:txBody>
       </p:sp>
@@ -9905,7 +9924,7 @@
           <a:p>
             <a:r>
               <a:rPr lang="en-US" dirty="0"/>
-              <a:t>Gopay.html</a:t>
+              <a:t>Berhasil.html</a:t>
             </a:r>
             <a:br>
               <a:rPr lang="en-US" dirty="0"/>
@@ -9915,31 +9934,23 @@
             </a:br>
             <a:r>
               <a:rPr lang="en-US" sz="2800" dirty="0" err="1"/>
-              <a:t>Berfungsi</a:t>
+              <a:t>sebagai</a:t>
             </a:r>
             <a:r>
               <a:rPr lang="en-US" sz="2800" dirty="0"/>
-              <a:t> </a:t>
+              <a:t> page </a:t>
             </a:r>
             <a:r>
               <a:rPr lang="en-US" sz="2800" dirty="0" err="1"/>
-              <a:t>untuk</a:t>
+              <a:t>bukti</a:t>
             </a:r>
             <a:r>
               <a:rPr lang="en-US" sz="2800" dirty="0"/>
-              <a:t> user yang </a:t>
-            </a:r>
-            <a:r>
-              <a:rPr lang="en-US" sz="2800" dirty="0" err="1"/>
-              <a:t>menggunakan</a:t>
-            </a:r>
-            <a:r>
-              <a:rPr lang="en-US" sz="2800" dirty="0"/>
-              <a:t> </a:t>
-            </a:r>
-            <a:r>
-              <a:rPr lang="en-US" sz="2800" dirty="0" err="1"/>
-              <a:t>gopay</a:t>
+              <a:t> </a:t>
+            </a:r>
+            <a:r>
+              <a:rPr lang="en-US" sz="2800"/>
+              <a:t>transaksi</a:t>
             </a:r>
             <a:endParaRPr lang="en-US" sz="2800" dirty="0"/>
           </a:p>
